--- a/Activation Functions.pptx
+++ b/Activation Functions.pptx
@@ -5,22 +5,25 @@
     <p:sldMasterId id="2147483648" r:id="rId1"/>
   </p:sldMasterIdLst>
   <p:notesMasterIdLst>
-    <p:notesMasterId r:id="rId15"/>
+    <p:notesMasterId r:id="rId18"/>
   </p:notesMasterIdLst>
   <p:sldIdLst>
     <p:sldId id="256" r:id="rId2"/>
     <p:sldId id="257" r:id="rId3"/>
     <p:sldId id="296" r:id="rId4"/>
-    <p:sldId id="304" r:id="rId5"/>
-    <p:sldId id="298" r:id="rId6"/>
-    <p:sldId id="305" r:id="rId7"/>
-    <p:sldId id="299" r:id="rId8"/>
-    <p:sldId id="306" r:id="rId9"/>
-    <p:sldId id="300" r:id="rId10"/>
-    <p:sldId id="307" r:id="rId11"/>
-    <p:sldId id="301" r:id="rId12"/>
-    <p:sldId id="302" r:id="rId13"/>
-    <p:sldId id="303" r:id="rId14"/>
+    <p:sldId id="308" r:id="rId5"/>
+    <p:sldId id="304" r:id="rId6"/>
+    <p:sldId id="298" r:id="rId7"/>
+    <p:sldId id="305" r:id="rId8"/>
+    <p:sldId id="299" r:id="rId9"/>
+    <p:sldId id="306" r:id="rId10"/>
+    <p:sldId id="300" r:id="rId11"/>
+    <p:sldId id="307" r:id="rId12"/>
+    <p:sldId id="301" r:id="rId13"/>
+    <p:sldId id="309" r:id="rId14"/>
+    <p:sldId id="310" r:id="rId15"/>
+    <p:sldId id="302" r:id="rId16"/>
+    <p:sldId id="303" r:id="rId17"/>
   </p:sldIdLst>
   <p:sldSz cx="4610100" cy="3460750"/>
   <p:notesSz cx="9296400" cy="7010400"/>
@@ -220,7 +223,7 @@
           <a:p>
             <a:fld id="{DEB2ADED-856B-4E5E-ABE0-0633AB34124B}" type="datetimeFigureOut">
               <a:rPr lang="en-US" smtClean="0"/>
-              <a:t>3/27/2023</a:t>
+              <a:t>3/29/2023</a:t>
             </a:fld>
             <a:endParaRPr lang="en-US"/>
           </a:p>
@@ -670,7 +673,538 @@
     </p:spTree>
     <p:extLst>
       <p:ext uri="{BB962C8B-B14F-4D97-AF65-F5344CB8AC3E}">
+        <p14:creationId xmlns:p14="http://schemas.microsoft.com/office/powerpoint/2010/main" val="3546669360"/>
+      </p:ext>
+    </p:extLst>
+  </p:cSld>
+  <p:clrMapOvr>
+    <a:masterClrMapping/>
+  </p:clrMapOvr>
+</p:notes>
+</file>
+
+<file path=ppt/notesSlides/notesSlide3.xml><?xml version="1.0" encoding="utf-8"?>
+<p:notes xmlns:a="http://schemas.openxmlformats.org/drawingml/2006/main" xmlns:r="http://schemas.openxmlformats.org/officeDocument/2006/relationships" xmlns:p="http://schemas.openxmlformats.org/presentationml/2006/main">
+  <p:cSld>
+    <p:spTree>
+      <p:nvGrpSpPr>
+        <p:cNvPr id="1" name=""/>
+        <p:cNvGrpSpPr/>
+        <p:nvPr/>
+      </p:nvGrpSpPr>
+      <p:grpSpPr>
+        <a:xfrm>
+          <a:off x="0" y="0"/>
+          <a:ext cx="0" cy="0"/>
+          <a:chOff x="0" y="0"/>
+          <a:chExt cx="0" cy="0"/>
+        </a:xfrm>
+      </p:grpSpPr>
+      <p:sp>
+        <p:nvSpPr>
+          <p:cNvPr id="2" name="Slide Image Placeholder 1"/>
+          <p:cNvSpPr>
+            <a:spLocks noGrp="1" noRot="1" noChangeAspect="1"/>
+          </p:cNvSpPr>
+          <p:nvPr>
+            <p:ph type="sldImg"/>
+          </p:nvPr>
+        </p:nvSpPr>
+        <p:spPr/>
+      </p:sp>
+      <p:sp>
+        <p:nvSpPr>
+          <p:cNvPr id="3" name="Notes Placeholder 2"/>
+          <p:cNvSpPr>
+            <a:spLocks noGrp="1"/>
+          </p:cNvSpPr>
+          <p:nvPr>
+            <p:ph type="body" idx="1"/>
+          </p:nvPr>
+        </p:nvSpPr>
+        <p:spPr/>
+        <p:txBody>
+          <a:bodyPr/>
+          <a:lstStyle/>
+          <a:p>
+            <a:r>
+              <a:rPr lang="en-US" dirty="0" smtClean="0"/>
+              <a:t>Not centered</a:t>
+            </a:r>
+            <a:r>
+              <a:rPr lang="en-US" baseline="0" dirty="0" smtClean="0"/>
+              <a:t> toward zero.</a:t>
+            </a:r>
+          </a:p>
+          <a:p>
+            <a:r>
+              <a:rPr lang="en-US" baseline="0" dirty="0" smtClean="0"/>
+              <a:t>Not bell curve- Normal </a:t>
+            </a:r>
+            <a:r>
+              <a:rPr lang="en-US" baseline="0" dirty="0" err="1" smtClean="0"/>
+              <a:t>Distrubution</a:t>
+            </a:r>
+            <a:endParaRPr lang="en-US" baseline="0" dirty="0" smtClean="0"/>
+          </a:p>
+          <a:p>
+            <a:r>
+              <a:rPr lang="en-US" baseline="0" dirty="0" smtClean="0"/>
+              <a:t>If data is not zero </a:t>
+            </a:r>
+            <a:r>
+              <a:rPr lang="en-US" baseline="0" dirty="0" err="1" smtClean="0"/>
+              <a:t>centeric</a:t>
+            </a:r>
+            <a:r>
+              <a:rPr lang="en-US" baseline="0" dirty="0" smtClean="0"/>
+              <a:t> , more computation power is required to </a:t>
+            </a:r>
+            <a:r>
+              <a:rPr lang="en-US" baseline="0" dirty="0" err="1" smtClean="0"/>
+              <a:t>conververge</a:t>
+            </a:r>
+            <a:r>
+              <a:rPr lang="en-US" baseline="0" dirty="0" smtClean="0"/>
+              <a:t> to </a:t>
+            </a:r>
+            <a:r>
+              <a:rPr lang="en-US" baseline="0" dirty="0" err="1" smtClean="0"/>
+              <a:t>gobal</a:t>
+            </a:r>
+            <a:r>
+              <a:rPr lang="en-US" baseline="0" dirty="0" smtClean="0"/>
+              <a:t> minima</a:t>
+            </a:r>
+          </a:p>
+          <a:p>
+            <a:endParaRPr lang="en-US" dirty="0"/>
+          </a:p>
+        </p:txBody>
+      </p:sp>
+      <p:sp>
+        <p:nvSpPr>
+          <p:cNvPr id="4" name="Slide Number Placeholder 3"/>
+          <p:cNvSpPr>
+            <a:spLocks noGrp="1"/>
+          </p:cNvSpPr>
+          <p:nvPr>
+            <p:ph type="sldNum" sz="quarter" idx="10"/>
+          </p:nvPr>
+        </p:nvSpPr>
+        <p:spPr/>
+        <p:txBody>
+          <a:bodyPr/>
+          <a:lstStyle/>
+          <a:p>
+            <a:fld id="{1C302E15-9B49-4378-94D3-772F4307F3F8}" type="slidenum">
+              <a:rPr lang="en-US" smtClean="0"/>
+              <a:t>5</a:t>
+            </a:fld>
+            <a:endParaRPr lang="en-US"/>
+          </a:p>
+        </p:txBody>
+      </p:sp>
+    </p:spTree>
+    <p:extLst>
+      <p:ext uri="{BB962C8B-B14F-4D97-AF65-F5344CB8AC3E}">
         <p14:creationId xmlns:p14="http://schemas.microsoft.com/office/powerpoint/2010/main" val="328127270"/>
+      </p:ext>
+    </p:extLst>
+  </p:cSld>
+  <p:clrMapOvr>
+    <a:masterClrMapping/>
+  </p:clrMapOvr>
+</p:notes>
+</file>
+
+<file path=ppt/notesSlides/notesSlide4.xml><?xml version="1.0" encoding="utf-8"?>
+<p:notes xmlns:a="http://schemas.openxmlformats.org/drawingml/2006/main" xmlns:r="http://schemas.openxmlformats.org/officeDocument/2006/relationships" xmlns:p="http://schemas.openxmlformats.org/presentationml/2006/main">
+  <p:cSld>
+    <p:spTree>
+      <p:nvGrpSpPr>
+        <p:cNvPr id="1" name=""/>
+        <p:cNvGrpSpPr/>
+        <p:nvPr/>
+      </p:nvGrpSpPr>
+      <p:grpSpPr>
+        <a:xfrm>
+          <a:off x="0" y="0"/>
+          <a:ext cx="0" cy="0"/>
+          <a:chOff x="0" y="0"/>
+          <a:chExt cx="0" cy="0"/>
+        </a:xfrm>
+      </p:grpSpPr>
+      <p:sp>
+        <p:nvSpPr>
+          <p:cNvPr id="2" name="Slide Image Placeholder 1"/>
+          <p:cNvSpPr>
+            <a:spLocks noGrp="1" noRot="1" noChangeAspect="1"/>
+          </p:cNvSpPr>
+          <p:nvPr>
+            <p:ph type="sldImg"/>
+          </p:nvPr>
+        </p:nvSpPr>
+        <p:spPr/>
+      </p:sp>
+      <p:sp>
+        <p:nvSpPr>
+          <p:cNvPr id="3" name="Notes Placeholder 2"/>
+          <p:cNvSpPr>
+            <a:spLocks noGrp="1"/>
+          </p:cNvSpPr>
+          <p:nvPr>
+            <p:ph type="body" idx="1"/>
+          </p:nvPr>
+        </p:nvSpPr>
+        <p:spPr/>
+        <p:txBody>
+          <a:bodyPr/>
+          <a:lstStyle/>
+          <a:p>
+            <a:r>
+              <a:rPr lang="en-US" dirty="0" smtClean="0"/>
+              <a:t>Chain rule  if one </a:t>
+            </a:r>
+            <a:r>
+              <a:rPr lang="en-US" dirty="0" err="1" smtClean="0"/>
+              <a:t>szero</a:t>
+            </a:r>
+            <a:r>
+              <a:rPr lang="en-US" baseline="0" dirty="0" smtClean="0"/>
+              <a:t> all  </a:t>
+            </a:r>
+            <a:r>
+              <a:rPr lang="en-US" baseline="0" dirty="0" err="1" smtClean="0"/>
+              <a:t>dervivtive</a:t>
+            </a:r>
+            <a:r>
+              <a:rPr lang="en-US" baseline="0" dirty="0" smtClean="0"/>
+              <a:t> become zero , weigh will not update, call </a:t>
+            </a:r>
+            <a:r>
+              <a:rPr lang="en-US" baseline="0" dirty="0" err="1" smtClean="0"/>
+              <a:t>dy</a:t>
+            </a:r>
+            <a:r>
+              <a:rPr lang="en-US" baseline="0" dirty="0" smtClean="0"/>
+              <a:t> </a:t>
+            </a:r>
+            <a:r>
+              <a:rPr lang="en-US" baseline="0" dirty="0" err="1" smtClean="0"/>
+              <a:t>relu</a:t>
+            </a:r>
+            <a:r>
+              <a:rPr lang="en-US" baseline="0" dirty="0" smtClean="0"/>
+              <a:t> situation  </a:t>
+            </a:r>
+            <a:endParaRPr lang="en-US" dirty="0"/>
+          </a:p>
+        </p:txBody>
+      </p:sp>
+      <p:sp>
+        <p:nvSpPr>
+          <p:cNvPr id="4" name="Slide Number Placeholder 3"/>
+          <p:cNvSpPr>
+            <a:spLocks noGrp="1"/>
+          </p:cNvSpPr>
+          <p:nvPr>
+            <p:ph type="sldNum" sz="quarter" idx="10"/>
+          </p:nvPr>
+        </p:nvSpPr>
+        <p:spPr/>
+        <p:txBody>
+          <a:bodyPr/>
+          <a:lstStyle/>
+          <a:p>
+            <a:fld id="{1C302E15-9B49-4378-94D3-772F4307F3F8}" type="slidenum">
+              <a:rPr lang="en-US" smtClean="0"/>
+              <a:t>9</a:t>
+            </a:fld>
+            <a:endParaRPr lang="en-US"/>
+          </a:p>
+        </p:txBody>
+      </p:sp>
+    </p:spTree>
+    <p:extLst>
+      <p:ext uri="{BB962C8B-B14F-4D97-AF65-F5344CB8AC3E}">
+        <p14:creationId xmlns:p14="http://schemas.microsoft.com/office/powerpoint/2010/main" val="530166490"/>
+      </p:ext>
+    </p:extLst>
+  </p:cSld>
+  <p:clrMapOvr>
+    <a:masterClrMapping/>
+  </p:clrMapOvr>
+</p:notes>
+</file>
+
+<file path=ppt/notesSlides/notesSlide5.xml><?xml version="1.0" encoding="utf-8"?>
+<p:notes xmlns:a="http://schemas.openxmlformats.org/drawingml/2006/main" xmlns:r="http://schemas.openxmlformats.org/officeDocument/2006/relationships" xmlns:p="http://schemas.openxmlformats.org/presentationml/2006/main">
+  <p:cSld>
+    <p:spTree>
+      <p:nvGrpSpPr>
+        <p:cNvPr id="1" name=""/>
+        <p:cNvGrpSpPr/>
+        <p:nvPr/>
+      </p:nvGrpSpPr>
+      <p:grpSpPr>
+        <a:xfrm>
+          <a:off x="0" y="0"/>
+          <a:ext cx="0" cy="0"/>
+          <a:chOff x="0" y="0"/>
+          <a:chExt cx="0" cy="0"/>
+        </a:xfrm>
+      </p:grpSpPr>
+      <p:sp>
+        <p:nvSpPr>
+          <p:cNvPr id="2" name="Slide Image Placeholder 1"/>
+          <p:cNvSpPr>
+            <a:spLocks noGrp="1" noRot="1" noChangeAspect="1"/>
+          </p:cNvSpPr>
+          <p:nvPr>
+            <p:ph type="sldImg"/>
+          </p:nvPr>
+        </p:nvSpPr>
+        <p:spPr/>
+      </p:sp>
+      <p:sp>
+        <p:nvSpPr>
+          <p:cNvPr id="3" name="Notes Placeholder 2"/>
+          <p:cNvSpPr>
+            <a:spLocks noGrp="1"/>
+          </p:cNvSpPr>
+          <p:nvPr>
+            <p:ph type="body" idx="1"/>
+          </p:nvPr>
+        </p:nvSpPr>
+        <p:spPr/>
+        <p:txBody>
+          <a:bodyPr/>
+          <a:lstStyle/>
+          <a:p>
+            <a:r>
+              <a:rPr lang="en-US" dirty="0" smtClean="0"/>
+              <a:t>Slightly computational</a:t>
+            </a:r>
+            <a:r>
+              <a:rPr lang="en-US" baseline="0" dirty="0" smtClean="0"/>
+              <a:t> expensive </a:t>
+            </a:r>
+            <a:endParaRPr lang="en-US" dirty="0"/>
+          </a:p>
+        </p:txBody>
+      </p:sp>
+      <p:sp>
+        <p:nvSpPr>
+          <p:cNvPr id="4" name="Slide Number Placeholder 3"/>
+          <p:cNvSpPr>
+            <a:spLocks noGrp="1"/>
+          </p:cNvSpPr>
+          <p:nvPr>
+            <p:ph type="sldNum" sz="quarter" idx="10"/>
+          </p:nvPr>
+        </p:nvSpPr>
+        <p:spPr/>
+        <p:txBody>
+          <a:bodyPr/>
+          <a:lstStyle/>
+          <a:p>
+            <a:fld id="{1C302E15-9B49-4378-94D3-772F4307F3F8}" type="slidenum">
+              <a:rPr lang="en-US" smtClean="0"/>
+              <a:t>12</a:t>
+            </a:fld>
+            <a:endParaRPr lang="en-US"/>
+          </a:p>
+        </p:txBody>
+      </p:sp>
+    </p:spTree>
+    <p:extLst>
+      <p:ext uri="{BB962C8B-B14F-4D97-AF65-F5344CB8AC3E}">
+        <p14:creationId xmlns:p14="http://schemas.microsoft.com/office/powerpoint/2010/main" val="3077027019"/>
+      </p:ext>
+    </p:extLst>
+  </p:cSld>
+  <p:clrMapOvr>
+    <a:masterClrMapping/>
+  </p:clrMapOvr>
+</p:notes>
+</file>
+
+<file path=ppt/notesSlides/notesSlide6.xml><?xml version="1.0" encoding="utf-8"?>
+<p:notes xmlns:a="http://schemas.openxmlformats.org/drawingml/2006/main" xmlns:r="http://schemas.openxmlformats.org/officeDocument/2006/relationships" xmlns:p="http://schemas.openxmlformats.org/presentationml/2006/main">
+  <p:cSld>
+    <p:spTree>
+      <p:nvGrpSpPr>
+        <p:cNvPr id="1" name=""/>
+        <p:cNvGrpSpPr/>
+        <p:nvPr/>
+      </p:nvGrpSpPr>
+      <p:grpSpPr>
+        <a:xfrm>
+          <a:off x="0" y="0"/>
+          <a:ext cx="0" cy="0"/>
+          <a:chOff x="0" y="0"/>
+          <a:chExt cx="0" cy="0"/>
+        </a:xfrm>
+      </p:grpSpPr>
+      <p:sp>
+        <p:nvSpPr>
+          <p:cNvPr id="2" name="Slide Image Placeholder 1"/>
+          <p:cNvSpPr>
+            <a:spLocks noGrp="1" noRot="1" noChangeAspect="1"/>
+          </p:cNvSpPr>
+          <p:nvPr>
+            <p:ph type="sldImg"/>
+          </p:nvPr>
+        </p:nvSpPr>
+        <p:spPr/>
+      </p:sp>
+      <p:sp>
+        <p:nvSpPr>
+          <p:cNvPr id="3" name="Notes Placeholder 2"/>
+          <p:cNvSpPr>
+            <a:spLocks noGrp="1"/>
+          </p:cNvSpPr>
+          <p:nvPr>
+            <p:ph type="body" idx="1"/>
+          </p:nvPr>
+        </p:nvSpPr>
+        <p:spPr/>
+        <p:txBody>
+          <a:bodyPr/>
+          <a:lstStyle/>
+          <a:p>
+            <a:r>
+              <a:rPr lang="en-US" dirty="0" smtClean="0"/>
+              <a:t>Slightly computational</a:t>
+            </a:r>
+            <a:r>
+              <a:rPr lang="en-US" baseline="0" dirty="0" smtClean="0"/>
+              <a:t> expensive </a:t>
+            </a:r>
+            <a:endParaRPr lang="en-US" dirty="0"/>
+          </a:p>
+        </p:txBody>
+      </p:sp>
+      <p:sp>
+        <p:nvSpPr>
+          <p:cNvPr id="4" name="Slide Number Placeholder 3"/>
+          <p:cNvSpPr>
+            <a:spLocks noGrp="1"/>
+          </p:cNvSpPr>
+          <p:nvPr>
+            <p:ph type="sldNum" sz="quarter" idx="10"/>
+          </p:nvPr>
+        </p:nvSpPr>
+        <p:spPr/>
+        <p:txBody>
+          <a:bodyPr/>
+          <a:lstStyle/>
+          <a:p>
+            <a:fld id="{1C302E15-9B49-4378-94D3-772F4307F3F8}" type="slidenum">
+              <a:rPr lang="en-US" smtClean="0"/>
+              <a:t>13</a:t>
+            </a:fld>
+            <a:endParaRPr lang="en-US"/>
+          </a:p>
+        </p:txBody>
+      </p:sp>
+    </p:spTree>
+    <p:extLst>
+      <p:ext uri="{BB962C8B-B14F-4D97-AF65-F5344CB8AC3E}">
+        <p14:creationId xmlns:p14="http://schemas.microsoft.com/office/powerpoint/2010/main" val="3772844034"/>
+      </p:ext>
+    </p:extLst>
+  </p:cSld>
+  <p:clrMapOvr>
+    <a:masterClrMapping/>
+  </p:clrMapOvr>
+</p:notes>
+</file>
+
+<file path=ppt/notesSlides/notesSlide7.xml><?xml version="1.0" encoding="utf-8"?>
+<p:notes xmlns:a="http://schemas.openxmlformats.org/drawingml/2006/main" xmlns:r="http://schemas.openxmlformats.org/officeDocument/2006/relationships" xmlns:p="http://schemas.openxmlformats.org/presentationml/2006/main">
+  <p:cSld>
+    <p:spTree>
+      <p:nvGrpSpPr>
+        <p:cNvPr id="1" name=""/>
+        <p:cNvGrpSpPr/>
+        <p:nvPr/>
+      </p:nvGrpSpPr>
+      <p:grpSpPr>
+        <a:xfrm>
+          <a:off x="0" y="0"/>
+          <a:ext cx="0" cy="0"/>
+          <a:chOff x="0" y="0"/>
+          <a:chExt cx="0" cy="0"/>
+        </a:xfrm>
+      </p:grpSpPr>
+      <p:sp>
+        <p:nvSpPr>
+          <p:cNvPr id="2" name="Slide Image Placeholder 1"/>
+          <p:cNvSpPr>
+            <a:spLocks noGrp="1" noRot="1" noChangeAspect="1"/>
+          </p:cNvSpPr>
+          <p:nvPr>
+            <p:ph type="sldImg"/>
+          </p:nvPr>
+        </p:nvSpPr>
+        <p:spPr/>
+      </p:sp>
+      <p:sp>
+        <p:nvSpPr>
+          <p:cNvPr id="3" name="Notes Placeholder 2"/>
+          <p:cNvSpPr>
+            <a:spLocks noGrp="1"/>
+          </p:cNvSpPr>
+          <p:nvPr>
+            <p:ph type="body" idx="1"/>
+          </p:nvPr>
+        </p:nvSpPr>
+        <p:spPr/>
+        <p:txBody>
+          <a:bodyPr/>
+          <a:lstStyle/>
+          <a:p>
+            <a:r>
+              <a:rPr lang="en-US" dirty="0" smtClean="0"/>
+              <a:t>Slightly computational</a:t>
+            </a:r>
+            <a:r>
+              <a:rPr lang="en-US" baseline="0" dirty="0" smtClean="0"/>
+              <a:t> expensive </a:t>
+            </a:r>
+            <a:endParaRPr lang="en-US" dirty="0"/>
+          </a:p>
+        </p:txBody>
+      </p:sp>
+      <p:sp>
+        <p:nvSpPr>
+          <p:cNvPr id="4" name="Slide Number Placeholder 3"/>
+          <p:cNvSpPr>
+            <a:spLocks noGrp="1"/>
+          </p:cNvSpPr>
+          <p:nvPr>
+            <p:ph type="sldNum" sz="quarter" idx="10"/>
+          </p:nvPr>
+        </p:nvSpPr>
+        <p:spPr/>
+        <p:txBody>
+          <a:bodyPr/>
+          <a:lstStyle/>
+          <a:p>
+            <a:fld id="{1C302E15-9B49-4378-94D3-772F4307F3F8}" type="slidenum">
+              <a:rPr lang="en-US" smtClean="0"/>
+              <a:t>14</a:t>
+            </a:fld>
+            <a:endParaRPr lang="en-US"/>
+          </a:p>
+        </p:txBody>
+      </p:sp>
+    </p:spTree>
+    <p:extLst>
+      <p:ext uri="{BB962C8B-B14F-4D97-AF65-F5344CB8AC3E}">
+        <p14:creationId xmlns:p14="http://schemas.microsoft.com/office/powerpoint/2010/main" val="4289488568"/>
       </p:ext>
     </p:extLst>
   </p:cSld>
@@ -819,7 +1353,7 @@
           <a:p>
             <a:fld id="{1D8BD707-D9CF-40AE-B4C6-C98DA3205C09}" type="datetimeFigureOut">
               <a:rPr lang="en-US"/>
-              <a:t>3/27/2023</a:t>
+              <a:t>3/29/2023</a:t>
             </a:fld>
             <a:endParaRPr lang="en-US"/>
           </a:p>
@@ -996,7 +1530,7 @@
           <a:p>
             <a:fld id="{1D8BD707-D9CF-40AE-B4C6-C98DA3205C09}" type="datetimeFigureOut">
               <a:rPr lang="en-US"/>
-              <a:t>3/27/2023</a:t>
+              <a:t>3/29/2023</a:t>
             </a:fld>
             <a:endParaRPr lang="en-US"/>
           </a:p>
@@ -1210,7 +1744,7 @@
           <a:p>
             <a:fld id="{1D8BD707-D9CF-40AE-B4C6-C98DA3205C09}" type="datetimeFigureOut">
               <a:rPr lang="en-US"/>
-              <a:t>3/27/2023</a:t>
+              <a:t>3/29/2023</a:t>
             </a:fld>
             <a:endParaRPr lang="en-US"/>
           </a:p>
@@ -1358,7 +1892,7 @@
           <a:p>
             <a:fld id="{1D8BD707-D9CF-40AE-B4C6-C98DA3205C09}" type="datetimeFigureOut">
               <a:rPr lang="en-US"/>
-              <a:t>3/27/2023</a:t>
+              <a:t>3/29/2023</a:t>
             </a:fld>
             <a:endParaRPr lang="en-US"/>
           </a:p>
@@ -1477,7 +2011,7 @@
           <a:p>
             <a:fld id="{1D8BD707-D9CF-40AE-B4C6-C98DA3205C09}" type="datetimeFigureOut">
               <a:rPr lang="en-US"/>
-              <a:t>3/27/2023</a:t>
+              <a:t>3/29/2023</a:t>
             </a:fld>
             <a:endParaRPr lang="en-US"/>
           </a:p>
@@ -1760,7 +2294,7 @@
           <a:p>
             <a:fld id="{1D8BD707-D9CF-40AE-B4C6-C98DA3205C09}" type="datetimeFigureOut">
               <a:rPr lang="en-US"/>
-              <a:t>3/27/2023</a:t>
+              <a:t>3/29/2023</a:t>
             </a:fld>
             <a:endParaRPr lang="en-US"/>
           </a:p>
@@ -2231,199 +2765,6 @@
       </p:sp>
       <p:sp>
         <p:nvSpPr>
-          <p:cNvPr id="3" name="object 3"/>
-          <p:cNvSpPr txBox="1">
-            <a:spLocks noGrp="1"/>
-          </p:cNvSpPr>
-          <p:nvPr>
-            <p:ph type="body" idx="1"/>
-          </p:nvPr>
-        </p:nvSpPr>
-        <p:spPr>
-          <a:xfrm>
-            <a:off x="171450" y="971161"/>
-            <a:ext cx="4343400" cy="1978747"/>
-          </a:xfrm>
-          <a:prstGeom prst="rect">
-            <a:avLst/>
-          </a:prstGeom>
-        </p:spPr>
-        <p:txBody>
-          <a:bodyPr vert="horz" wrap="square" lIns="0" tIns="11430" rIns="0" bIns="0" rtlCol="0">
-            <a:spAutoFit/>
-          </a:bodyPr>
-          <a:lstStyle/>
-          <a:p>
-            <a:pPr marL="102235" algn="just">
-              <a:lnSpc>
-                <a:spcPct val="100000"/>
-              </a:lnSpc>
-              <a:spcBef>
-                <a:spcPts val="90"/>
-              </a:spcBef>
-            </a:pPr>
-            <a:endParaRPr lang="en-US" sz="1400" spc="-30" dirty="0" smtClean="0">
-              <a:solidFill>
-                <a:srgbClr val="3333B2"/>
-              </a:solidFill>
-              <a:latin typeface="Lucida Sans Unicode"/>
-              <a:cs typeface="Lucida Sans Unicode"/>
-            </a:endParaRPr>
-          </a:p>
-          <a:p>
-            <a:pPr marL="273685" indent="-171450" algn="just">
-              <a:lnSpc>
-                <a:spcPct val="100000"/>
-              </a:lnSpc>
-              <a:spcBef>
-                <a:spcPts val="90"/>
-              </a:spcBef>
-              <a:buFont typeface="Wingdings" panose="05000000000000000000" pitchFamily="2" charset="2"/>
-              <a:buChar char="Ø"/>
-            </a:pPr>
-            <a:r>
-              <a:rPr lang="en-US" sz="1400" spc="-30" dirty="0" smtClean="0">
-                <a:solidFill>
-                  <a:srgbClr val="3333B2"/>
-                </a:solidFill>
-                <a:latin typeface="Lucida Sans Unicode"/>
-                <a:cs typeface="Lucida Sans Unicode"/>
-              </a:rPr>
-              <a:t>Range(-∞, ∞)</a:t>
-            </a:r>
-          </a:p>
-          <a:p>
-            <a:pPr marL="273685" indent="-171450" algn="just">
-              <a:lnSpc>
-                <a:spcPct val="100000"/>
-              </a:lnSpc>
-              <a:spcBef>
-                <a:spcPts val="90"/>
-              </a:spcBef>
-              <a:buFont typeface="Wingdings" panose="05000000000000000000" pitchFamily="2" charset="2"/>
-              <a:buChar char="Ø"/>
-            </a:pPr>
-            <a:r>
-              <a:rPr lang="en-US" sz="1400" spc="-30" dirty="0" smtClean="0">
-                <a:solidFill>
-                  <a:srgbClr val="3333B2"/>
-                </a:solidFill>
-                <a:latin typeface="Lucida Sans Unicode"/>
-                <a:cs typeface="Lucida Sans Unicode"/>
-                <a:sym typeface="Wingdings" panose="05000000000000000000" pitchFamily="2" charset="2"/>
-              </a:rPr>
-              <a:t>solve Vanishing Gradient Problem for higher value of Z.</a:t>
-            </a:r>
-          </a:p>
-          <a:p>
-            <a:pPr marL="273685" indent="-171450" algn="just">
-              <a:lnSpc>
-                <a:spcPct val="100000"/>
-              </a:lnSpc>
-              <a:spcBef>
-                <a:spcPts val="90"/>
-              </a:spcBef>
-              <a:buFont typeface="Wingdings" panose="05000000000000000000" pitchFamily="2" charset="2"/>
-              <a:buChar char="Ø"/>
-            </a:pPr>
-            <a:r>
-              <a:rPr lang="en-US" sz="1400" spc="-30" dirty="0" smtClean="0">
-                <a:solidFill>
-                  <a:srgbClr val="3333B2"/>
-                </a:solidFill>
-                <a:latin typeface="Lucida Sans Unicode"/>
-                <a:cs typeface="Lucida Sans Unicode"/>
-                <a:sym typeface="Wingdings" panose="05000000000000000000" pitchFamily="2" charset="2"/>
-              </a:rPr>
-              <a:t>Gradient is undefined for z=0 and z</a:t>
-            </a:r>
-          </a:p>
-          <a:p>
-            <a:pPr marL="273685" indent="-171450" algn="just">
-              <a:lnSpc>
-                <a:spcPct val="100000"/>
-              </a:lnSpc>
-              <a:spcBef>
-                <a:spcPts val="90"/>
-              </a:spcBef>
-              <a:buFont typeface="Wingdings" panose="05000000000000000000" pitchFamily="2" charset="2"/>
-              <a:buChar char="Ø"/>
-            </a:pPr>
-            <a:r>
-              <a:rPr lang="en-US" sz="1400" spc="-30" dirty="0" smtClean="0">
-                <a:solidFill>
-                  <a:srgbClr val="3333B2"/>
-                </a:solidFill>
-                <a:latin typeface="Lucida Sans Unicode"/>
-                <a:cs typeface="Lucida Sans Unicode"/>
-                <a:sym typeface="Wingdings" panose="05000000000000000000" pitchFamily="2" charset="2"/>
-              </a:rPr>
-              <a:t>Solve dead neuron problem</a:t>
-            </a:r>
-          </a:p>
-          <a:p>
-            <a:pPr marL="273685" indent="-171450" algn="just">
-              <a:lnSpc>
-                <a:spcPct val="100000"/>
-              </a:lnSpc>
-              <a:spcBef>
-                <a:spcPts val="90"/>
-              </a:spcBef>
-              <a:buFont typeface="Wingdings" panose="05000000000000000000" pitchFamily="2" charset="2"/>
-              <a:buChar char="Ø"/>
-            </a:pPr>
-            <a:r>
-              <a:rPr lang="en-US" sz="1400" b="1" spc="-30" dirty="0" smtClean="0">
-                <a:solidFill>
-                  <a:srgbClr val="3333B2"/>
-                </a:solidFill>
-                <a:latin typeface="Lucida Sans Unicode"/>
-                <a:cs typeface="Lucida Sans Unicode"/>
-                <a:sym typeface="Wingdings" panose="05000000000000000000" pitchFamily="2" charset="2"/>
-              </a:rPr>
-              <a:t>Derivative: </a:t>
-            </a:r>
-          </a:p>
-          <a:p>
-            <a:pPr marL="102235" algn="just">
-              <a:lnSpc>
-                <a:spcPct val="100000"/>
-              </a:lnSpc>
-              <a:spcBef>
-                <a:spcPts val="90"/>
-              </a:spcBef>
-            </a:pPr>
-            <a:endParaRPr lang="en-US" sz="1200" spc="-30" dirty="0" smtClean="0">
-              <a:solidFill>
-                <a:srgbClr val="3333B2"/>
-              </a:solidFill>
-              <a:latin typeface="Lucida Sans Unicode"/>
-              <a:cs typeface="Lucida Sans Unicode"/>
-              <a:sym typeface="Wingdings" panose="05000000000000000000" pitchFamily="2" charset="2"/>
-            </a:endParaRPr>
-          </a:p>
-          <a:p>
-            <a:pPr marL="102235" algn="just">
-              <a:lnSpc>
-                <a:spcPct val="100000"/>
-              </a:lnSpc>
-              <a:spcBef>
-                <a:spcPts val="90"/>
-              </a:spcBef>
-            </a:pPr>
-            <a:endParaRPr lang="en-US" sz="1200" spc="-30" dirty="0" smtClean="0">
-              <a:solidFill>
-                <a:srgbClr val="3333B2"/>
-              </a:solidFill>
-              <a:latin typeface="Lucida Sans Unicode"/>
-              <a:cs typeface="Lucida Sans Unicode"/>
-              <a:sym typeface="Wingdings" panose="05000000000000000000" pitchFamily="2" charset="2"/>
-            </a:endParaRPr>
-          </a:p>
-        </p:txBody>
-      </p:sp>
-      <p:sp>
-        <p:nvSpPr>
           <p:cNvPr id="6" name="AutoShape 2" descr="Image result for leaky relu image"/>
           <p:cNvSpPr>
             <a:spLocks noChangeAspect="1" noChangeArrowheads="1"/>
@@ -2477,8 +2818,8 @@
         </p:blipFill>
         <p:spPr>
           <a:xfrm>
-            <a:off x="2976803" y="358692"/>
-            <a:ext cx="1633297" cy="1019774"/>
+            <a:off x="1771650" y="843747"/>
+            <a:ext cx="2738589" cy="1709880"/>
           </a:xfrm>
           <a:prstGeom prst="rect">
             <a:avLst/>
@@ -2501,7 +2842,7 @@
         </p:blipFill>
         <p:spPr>
           <a:xfrm>
-            <a:off x="1447941" y="428494"/>
+            <a:off x="155575" y="459265"/>
             <a:ext cx="1528862" cy="277975"/>
           </a:xfrm>
           <a:prstGeom prst="rect">
@@ -2525,7 +2866,7 @@
         </p:blipFill>
         <p:spPr>
           <a:xfrm>
-            <a:off x="1266825" y="2345446"/>
+            <a:off x="95250" y="2339975"/>
             <a:ext cx="2000250" cy="752388"/>
           </a:xfrm>
           <a:prstGeom prst="rect">
@@ -2536,7 +2877,7 @@
     </p:spTree>
     <p:extLst>
       <p:ext uri="{BB962C8B-B14F-4D97-AF65-F5344CB8AC3E}">
-        <p14:creationId xmlns:p14="http://schemas.microsoft.com/office/powerpoint/2010/main" val="2751490396"/>
+        <p14:creationId xmlns:p14="http://schemas.microsoft.com/office/powerpoint/2010/main" val="1221576912"/>
       </p:ext>
     </p:extLst>
   </p:cSld>
@@ -2608,7 +2949,15 @@
             </a:pPr>
             <a:r>
               <a:rPr lang="en-US" sz="1800" dirty="0" smtClean="0"/>
-              <a:t>ELU-Exponential Linear Unit</a:t>
+              <a:t>Leaky </a:t>
+            </a:r>
+            <a:r>
+              <a:rPr lang="en-US" sz="1800" dirty="0"/>
+              <a:t> </a:t>
+            </a:r>
+            <a:r>
+              <a:rPr lang="en-US" sz="1800" dirty="0" err="1" smtClean="0"/>
+              <a:t>ReLU</a:t>
             </a:r>
             <a:endParaRPr sz="1800" spc="-80" dirty="0"/>
           </a:p>
@@ -2627,7 +2976,7 @@
         <p:spPr>
           <a:xfrm>
             <a:off x="171450" y="971161"/>
-            <a:ext cx="4343400" cy="881010"/>
+            <a:ext cx="4343400" cy="1978747"/>
           </a:xfrm>
           <a:prstGeom prst="rect">
             <a:avLst/>
@@ -2674,18 +3023,43 @@
                 <a:latin typeface="Lucida Sans Unicode"/>
                 <a:cs typeface="Lucida Sans Unicode"/>
               </a:rPr>
-              <a:t>Range(0, </a:t>
-            </a:r>
-            <a:r>
-              <a:rPr lang="en-US" sz="1400" spc="-30" dirty="0">
+              <a:t>Range(-∞, ∞)</a:t>
+            </a:r>
+          </a:p>
+          <a:p>
+            <a:pPr marL="273685" indent="-171450" algn="just">
+              <a:lnSpc>
+                <a:spcPct val="100000"/>
+              </a:lnSpc>
+              <a:spcBef>
+                <a:spcPts val="90"/>
+              </a:spcBef>
+              <a:buFont typeface="Wingdings" panose="05000000000000000000" pitchFamily="2" charset="2"/>
+              <a:buChar char="Ø"/>
+            </a:pPr>
+            <a:r>
+              <a:rPr lang="en-US" sz="1400" spc="-30" dirty="0" smtClean="0">
                 <a:solidFill>
                   <a:srgbClr val="3333B2"/>
                 </a:solidFill>
                 <a:latin typeface="Lucida Sans Unicode"/>
                 <a:cs typeface="Lucida Sans Unicode"/>
+                <a:sym typeface="Wingdings" panose="05000000000000000000" pitchFamily="2" charset="2"/>
               </a:rPr>
-              <a:t>1</a:t>
-            </a:r>
+              <a:t>solve Vanishing Gradient Problem for higher value of Z.</a:t>
+            </a:r>
+          </a:p>
+          <a:p>
+            <a:pPr marL="273685" indent="-171450" algn="just">
+              <a:lnSpc>
+                <a:spcPct val="100000"/>
+              </a:lnSpc>
+              <a:spcBef>
+                <a:spcPts val="90"/>
+              </a:spcBef>
+              <a:buFont typeface="Wingdings" panose="05000000000000000000" pitchFamily="2" charset="2"/>
+              <a:buChar char="Ø"/>
+            </a:pPr>
             <a:r>
               <a:rPr lang="en-US" sz="1400" spc="-30" dirty="0" smtClean="0">
                 <a:solidFill>
@@ -2693,8 +3067,9 @@
                 </a:solidFill>
                 <a:latin typeface="Lucida Sans Unicode"/>
                 <a:cs typeface="Lucida Sans Unicode"/>
+                <a:sym typeface="Wingdings" panose="05000000000000000000" pitchFamily="2" charset="2"/>
               </a:rPr>
-              <a:t>)</a:t>
+              <a:t>Gradient is undefined for z=0 and z</a:t>
             </a:r>
           </a:p>
           <a:p>
@@ -2707,6 +3082,50 @@
               </a:spcBef>
               <a:buFont typeface="Wingdings" panose="05000000000000000000" pitchFamily="2" charset="2"/>
               <a:buChar char="Ø"/>
+            </a:pPr>
+            <a:r>
+              <a:rPr lang="en-US" sz="1400" spc="-30" dirty="0" smtClean="0">
+                <a:solidFill>
+                  <a:srgbClr val="3333B2"/>
+                </a:solidFill>
+                <a:latin typeface="Lucida Sans Unicode"/>
+                <a:cs typeface="Lucida Sans Unicode"/>
+                <a:sym typeface="Wingdings" panose="05000000000000000000" pitchFamily="2" charset="2"/>
+              </a:rPr>
+              <a:t>Solve dead neuron problem</a:t>
+            </a:r>
+          </a:p>
+          <a:p>
+            <a:pPr marL="273685" indent="-171450" algn="just">
+              <a:lnSpc>
+                <a:spcPct val="100000"/>
+              </a:lnSpc>
+              <a:spcBef>
+                <a:spcPts val="90"/>
+              </a:spcBef>
+              <a:buFont typeface="Wingdings" panose="05000000000000000000" pitchFamily="2" charset="2"/>
+              <a:buChar char="Ø"/>
+            </a:pPr>
+            <a:r>
+              <a:rPr lang="en-US" sz="1400" b="1" spc="-30" dirty="0" smtClean="0">
+                <a:solidFill>
+                  <a:srgbClr val="3333B2"/>
+                </a:solidFill>
+                <a:latin typeface="Lucida Sans Unicode"/>
+                <a:cs typeface="Lucida Sans Unicode"/>
+                <a:sym typeface="Wingdings" panose="05000000000000000000" pitchFamily="2" charset="2"/>
+              </a:rPr>
+              <a:t>Derivative: </a:t>
+            </a:r>
+          </a:p>
+          <a:p>
+            <a:pPr marL="102235" algn="just">
+              <a:lnSpc>
+                <a:spcPct val="100000"/>
+              </a:lnSpc>
+              <a:spcBef>
+                <a:spcPts val="90"/>
+              </a:spcBef>
             </a:pPr>
             <a:endParaRPr lang="en-US" sz="1200" spc="-30" dirty="0" smtClean="0">
               <a:solidFill>
@@ -2778,7 +3197,7 @@
       </p:sp>
       <p:pic>
         <p:nvPicPr>
-          <p:cNvPr id="12" name="Picture 11"/>
+          <p:cNvPr id="10" name="Picture 9"/>
           <p:cNvPicPr>
             <a:picLocks noChangeAspect="1"/>
           </p:cNvPicPr>
@@ -2792,8 +3211,8 @@
         </p:blipFill>
         <p:spPr>
           <a:xfrm>
-            <a:off x="1524000" y="2654387"/>
-            <a:ext cx="2000250" cy="752388"/>
+            <a:off x="2976803" y="358692"/>
+            <a:ext cx="1633297" cy="1019774"/>
           </a:xfrm>
           <a:prstGeom prst="rect">
             <a:avLst/>
@@ -2802,7 +3221,7 @@
       </p:pic>
       <p:pic>
         <p:nvPicPr>
-          <p:cNvPr id="4" name="Picture 3"/>
+          <p:cNvPr id="11" name="Picture 10"/>
           <p:cNvPicPr>
             <a:picLocks noChangeAspect="1"/>
           </p:cNvPicPr>
@@ -2816,8 +3235,8 @@
         </p:blipFill>
         <p:spPr>
           <a:xfrm>
-            <a:off x="1030277" y="485088"/>
-            <a:ext cx="1493848" cy="374974"/>
+            <a:off x="1447941" y="428494"/>
+            <a:ext cx="1528862" cy="277975"/>
           </a:xfrm>
           <a:prstGeom prst="rect">
             <a:avLst/>
@@ -2826,7 +3245,7 @@
       </p:pic>
       <p:pic>
         <p:nvPicPr>
-          <p:cNvPr id="5" name="Picture 4"/>
+          <p:cNvPr id="12" name="Picture 11"/>
           <p:cNvPicPr>
             <a:picLocks noChangeAspect="1"/>
           </p:cNvPicPr>
@@ -2840,8 +3259,8 @@
         </p:blipFill>
         <p:spPr>
           <a:xfrm>
-            <a:off x="2506649" y="883821"/>
-            <a:ext cx="2206014" cy="1608553"/>
+            <a:off x="1266825" y="2345446"/>
+            <a:ext cx="2000250" cy="752388"/>
           </a:xfrm>
           <a:prstGeom prst="rect">
             <a:avLst/>
@@ -2851,7 +3270,7 @@
     </p:spTree>
     <p:extLst>
       <p:ext uri="{BB962C8B-B14F-4D97-AF65-F5344CB8AC3E}">
-        <p14:creationId xmlns:p14="http://schemas.microsoft.com/office/powerpoint/2010/main" val="1283154213"/>
+        <p14:creationId xmlns:p14="http://schemas.microsoft.com/office/powerpoint/2010/main" val="2751490396"/>
       </p:ext>
     </p:extLst>
   </p:cSld>
@@ -2922,8 +3341,8 @@
               </a:spcBef>
             </a:pPr>
             <a:r>
-              <a:rPr lang="en-US" sz="1800" spc="-80" dirty="0" smtClean="0"/>
-              <a:t>Use of Activation function </a:t>
+              <a:rPr lang="en-US" sz="1800" dirty="0" smtClean="0"/>
+              <a:t>ELU-Exponential Linear Unit</a:t>
             </a:r>
             <a:endParaRPr sz="1800" spc="-80" dirty="0"/>
           </a:p>
@@ -2941,8 +3360,8 @@
         </p:nvSpPr>
         <p:spPr>
           <a:xfrm>
-            <a:off x="0" y="434975"/>
-            <a:ext cx="4343400" cy="3525324"/>
+            <a:off x="-209550" y="2654387"/>
+            <a:ext cx="4343400" cy="881010"/>
           </a:xfrm>
           <a:prstGeom prst="rect">
             <a:avLst/>
@@ -2989,20 +3408,8 @@
                 <a:latin typeface="Lucida Sans Unicode"/>
                 <a:cs typeface="Lucida Sans Unicode"/>
               </a:rPr>
-              <a:t>Which activation function should used</a:t>
-            </a:r>
-          </a:p>
-          <a:p>
-            <a:pPr marL="273685" indent="-171450" algn="just">
-              <a:lnSpc>
-                <a:spcPct val="100000"/>
-              </a:lnSpc>
-              <a:spcBef>
-                <a:spcPts val="90"/>
-              </a:spcBef>
-              <a:buFont typeface="Wingdings" panose="05000000000000000000" pitchFamily="2" charset="2"/>
-              <a:buChar char="Ø"/>
-            </a:pPr>
+              <a:t>Range(0, </a:t>
+            </a:r>
             <a:r>
               <a:rPr lang="en-US" sz="1400" spc="-30" dirty="0">
                 <a:solidFill>
@@ -3011,7 +3418,7 @@
                 <a:latin typeface="Lucida Sans Unicode"/>
                 <a:cs typeface="Lucida Sans Unicode"/>
               </a:rPr>
-              <a:t> </a:t>
+              <a:t>1</a:t>
             </a:r>
             <a:r>
               <a:rPr lang="en-US" sz="1400" spc="-30" dirty="0" smtClean="0">
@@ -3021,269 +3428,8 @@
                 <a:latin typeface="Lucida Sans Unicode"/>
                 <a:cs typeface="Lucida Sans Unicode"/>
               </a:rPr>
-              <a:t>with sigmoid and </a:t>
-            </a:r>
-            <a:r>
-              <a:rPr lang="en-US" sz="1400" spc="-30" dirty="0" err="1" smtClean="0">
-                <a:solidFill>
-                  <a:srgbClr val="3333B2"/>
-                </a:solidFill>
-                <a:latin typeface="Lucida Sans Unicode"/>
-                <a:cs typeface="Lucida Sans Unicode"/>
-              </a:rPr>
-              <a:t>tanh</a:t>
-            </a:r>
-            <a:r>
-              <a:rPr lang="en-US" sz="1400" spc="-30" dirty="0" smtClean="0">
-                <a:solidFill>
-                  <a:srgbClr val="3333B2"/>
-                </a:solidFill>
-                <a:latin typeface="Lucida Sans Unicode"/>
-                <a:cs typeface="Lucida Sans Unicode"/>
-              </a:rPr>
-              <a:t> </a:t>
-            </a:r>
-            <a:r>
-              <a:rPr lang="en-US" sz="1400" spc="-30" dirty="0" smtClean="0">
-                <a:solidFill>
-                  <a:srgbClr val="3333B2"/>
-                </a:solidFill>
-                <a:latin typeface="Lucida Sans Unicode"/>
-                <a:cs typeface="Lucida Sans Unicode"/>
-                <a:sym typeface="Wingdings" panose="05000000000000000000" pitchFamily="2" charset="2"/>
-              </a:rPr>
-              <a:t> vanishing Gradient descent.</a:t>
-            </a:r>
-          </a:p>
-          <a:p>
-            <a:pPr marL="273685" indent="-171450" algn="just">
-              <a:lnSpc>
-                <a:spcPct val="100000"/>
-              </a:lnSpc>
-              <a:spcBef>
-                <a:spcPts val="90"/>
-              </a:spcBef>
-              <a:buFont typeface="Wingdings" panose="05000000000000000000" pitchFamily="2" charset="2"/>
-              <a:buChar char="Ø"/>
-            </a:pPr>
-            <a:r>
-              <a:rPr lang="en-US" sz="1400" spc="-30" dirty="0" smtClean="0">
-                <a:solidFill>
-                  <a:srgbClr val="3333B2"/>
-                </a:solidFill>
-                <a:latin typeface="Lucida Sans Unicode"/>
-                <a:cs typeface="Lucida Sans Unicode"/>
-                <a:sym typeface="Wingdings" panose="05000000000000000000" pitchFamily="2" charset="2"/>
-              </a:rPr>
-              <a:t>With Binary classification</a:t>
-            </a:r>
-          </a:p>
-          <a:p>
-            <a:pPr marL="273685" indent="-171450" algn="just">
-              <a:lnSpc>
-                <a:spcPct val="100000"/>
-              </a:lnSpc>
-              <a:spcBef>
-                <a:spcPts val="90"/>
-              </a:spcBef>
-              <a:buFont typeface="Wingdings" panose="05000000000000000000" pitchFamily="2" charset="2"/>
-              <a:buChar char="Ø"/>
-            </a:pPr>
-            <a:r>
-              <a:rPr lang="en-US" sz="1400" spc="-30" dirty="0" smtClean="0">
-                <a:solidFill>
-                  <a:srgbClr val="3333B2"/>
-                </a:solidFill>
-                <a:latin typeface="Lucida Sans Unicode"/>
-                <a:cs typeface="Lucida Sans Unicode"/>
-                <a:sym typeface="Wingdings" panose="05000000000000000000" pitchFamily="2" charset="2"/>
-              </a:rPr>
-              <a:t>With hidden layer use </a:t>
-            </a:r>
-            <a:r>
-              <a:rPr lang="en-US" sz="1400" spc="-30" dirty="0" err="1" smtClean="0">
-                <a:solidFill>
-                  <a:srgbClr val="3333B2"/>
-                </a:solidFill>
-                <a:latin typeface="Lucida Sans Unicode"/>
-                <a:cs typeface="Lucida Sans Unicode"/>
-                <a:sym typeface="Wingdings" panose="05000000000000000000" pitchFamily="2" charset="2"/>
-              </a:rPr>
-              <a:t>Relu</a:t>
-            </a:r>
-            <a:r>
-              <a:rPr lang="en-US" sz="1400" spc="-30" dirty="0" smtClean="0">
-                <a:solidFill>
-                  <a:srgbClr val="3333B2"/>
-                </a:solidFill>
-                <a:latin typeface="Lucida Sans Unicode"/>
-                <a:cs typeface="Lucida Sans Unicode"/>
-                <a:sym typeface="Wingdings" panose="05000000000000000000" pitchFamily="2" charset="2"/>
-              </a:rPr>
-              <a:t>/ELU/</a:t>
-            </a:r>
-            <a:r>
-              <a:rPr lang="en-US" sz="1400" spc="-30" dirty="0" err="1" smtClean="0">
-                <a:solidFill>
-                  <a:srgbClr val="3333B2"/>
-                </a:solidFill>
-                <a:latin typeface="Lucida Sans Unicode"/>
-                <a:cs typeface="Lucida Sans Unicode"/>
-                <a:sym typeface="Wingdings" panose="05000000000000000000" pitchFamily="2" charset="2"/>
-              </a:rPr>
-              <a:t>PRelu</a:t>
-            </a:r>
-            <a:r>
-              <a:rPr lang="en-US" sz="1400" spc="-30" dirty="0" smtClean="0">
-                <a:solidFill>
-                  <a:srgbClr val="3333B2"/>
-                </a:solidFill>
-                <a:latin typeface="Lucida Sans Unicode"/>
-                <a:cs typeface="Lucida Sans Unicode"/>
-                <a:sym typeface="Wingdings" panose="05000000000000000000" pitchFamily="2" charset="2"/>
-              </a:rPr>
-              <a:t> and in output layer use sigmoid activation function.</a:t>
-            </a:r>
-          </a:p>
-          <a:p>
-            <a:pPr marL="273685" indent="-171450" algn="just">
-              <a:lnSpc>
-                <a:spcPct val="100000"/>
-              </a:lnSpc>
-              <a:spcBef>
-                <a:spcPts val="90"/>
-              </a:spcBef>
-              <a:buFont typeface="Wingdings" panose="05000000000000000000" pitchFamily="2" charset="2"/>
-              <a:buChar char="Ø"/>
-            </a:pPr>
-            <a:r>
-              <a:rPr lang="en-US" sz="1400" spc="-30" dirty="0">
-                <a:solidFill>
-                  <a:srgbClr val="3333B2"/>
-                </a:solidFill>
-                <a:latin typeface="Lucida Sans Unicode"/>
-                <a:cs typeface="Lucida Sans Unicode"/>
-                <a:sym typeface="Wingdings" panose="05000000000000000000" pitchFamily="2" charset="2"/>
-              </a:rPr>
-              <a:t> </a:t>
-            </a:r>
-            <a:r>
-              <a:rPr lang="en-US" sz="1400" spc="-30" dirty="0" smtClean="0">
-                <a:solidFill>
-                  <a:srgbClr val="3333B2"/>
-                </a:solidFill>
-                <a:latin typeface="Lucida Sans Unicode"/>
-                <a:cs typeface="Lucida Sans Unicode"/>
-                <a:sym typeface="Wingdings" panose="05000000000000000000" pitchFamily="2" charset="2"/>
-              </a:rPr>
-              <a:t>with Multi classification use </a:t>
-            </a:r>
-            <a:r>
-              <a:rPr lang="en-US" sz="1400" spc="-30" dirty="0" err="1" smtClean="0">
-                <a:solidFill>
-                  <a:srgbClr val="3333B2"/>
-                </a:solidFill>
-                <a:latin typeface="Lucida Sans Unicode"/>
-                <a:cs typeface="Lucida Sans Unicode"/>
-                <a:sym typeface="Wingdings" panose="05000000000000000000" pitchFamily="2" charset="2"/>
-              </a:rPr>
-              <a:t>SoftMax</a:t>
-            </a:r>
-            <a:r>
-              <a:rPr lang="en-US" sz="1400" spc="-30" dirty="0" smtClean="0">
-                <a:solidFill>
-                  <a:srgbClr val="3333B2"/>
-                </a:solidFill>
-                <a:latin typeface="Lucida Sans Unicode"/>
-                <a:cs typeface="Lucida Sans Unicode"/>
-                <a:sym typeface="Wingdings" panose="05000000000000000000" pitchFamily="2" charset="2"/>
-              </a:rPr>
-              <a:t> activation function in output layer , hidden layer will be same.</a:t>
-            </a:r>
-          </a:p>
-          <a:p>
-            <a:pPr marL="273685" indent="-171450" algn="just">
-              <a:lnSpc>
-                <a:spcPct val="100000"/>
-              </a:lnSpc>
-              <a:spcBef>
-                <a:spcPts val="90"/>
-              </a:spcBef>
-              <a:buFont typeface="Wingdings" panose="05000000000000000000" pitchFamily="2" charset="2"/>
-              <a:buChar char="Ø"/>
-            </a:pPr>
-            <a:r>
-              <a:rPr lang="en-US" sz="1400" spc="-30" dirty="0" smtClean="0">
-                <a:solidFill>
-                  <a:srgbClr val="3333B2"/>
-                </a:solidFill>
-                <a:latin typeface="Lucida Sans Unicode"/>
-                <a:cs typeface="Lucida Sans Unicode"/>
-                <a:sym typeface="Wingdings" panose="05000000000000000000" pitchFamily="2" charset="2"/>
-              </a:rPr>
-              <a:t>With Regression use </a:t>
-            </a:r>
-            <a:r>
-              <a:rPr lang="en-US" sz="1400" spc="-30" dirty="0" err="1" smtClean="0">
-                <a:solidFill>
-                  <a:srgbClr val="3333B2"/>
-                </a:solidFill>
-                <a:latin typeface="Lucida Sans Unicode"/>
-                <a:cs typeface="Lucida Sans Unicode"/>
-                <a:sym typeface="Wingdings" panose="05000000000000000000" pitchFamily="2" charset="2"/>
-              </a:rPr>
-              <a:t>Relu</a:t>
-            </a:r>
-            <a:r>
-              <a:rPr lang="en-US" sz="1400" spc="-30" dirty="0" smtClean="0">
-                <a:solidFill>
-                  <a:srgbClr val="3333B2"/>
-                </a:solidFill>
-                <a:latin typeface="Lucida Sans Unicode"/>
-                <a:cs typeface="Lucida Sans Unicode"/>
-                <a:sym typeface="Wingdings" panose="05000000000000000000" pitchFamily="2" charset="2"/>
-              </a:rPr>
-              <a:t> for hidden layer and Linear activation function for output layer.</a:t>
-            </a:r>
-          </a:p>
-          <a:p>
-            <a:pPr marL="273685" indent="-171450" algn="just">
-              <a:lnSpc>
-                <a:spcPct val="100000"/>
-              </a:lnSpc>
-              <a:spcBef>
-                <a:spcPts val="90"/>
-              </a:spcBef>
-              <a:buFont typeface="Wingdings" panose="05000000000000000000" pitchFamily="2" charset="2"/>
-              <a:buChar char="Ø"/>
-            </a:pPr>
-            <a:endParaRPr lang="en-US" sz="1400" spc="-30" dirty="0" smtClean="0">
-              <a:solidFill>
-                <a:srgbClr val="3333B2"/>
-              </a:solidFill>
-              <a:latin typeface="Lucida Sans Unicode"/>
-              <a:cs typeface="Lucida Sans Unicode"/>
-              <a:sym typeface="Wingdings" panose="05000000000000000000" pitchFamily="2" charset="2"/>
-            </a:endParaRPr>
-          </a:p>
-          <a:p>
-            <a:pPr marL="273685" indent="-171450" algn="just">
-              <a:lnSpc>
-                <a:spcPct val="100000"/>
-              </a:lnSpc>
-              <a:spcBef>
-                <a:spcPts val="90"/>
-              </a:spcBef>
-              <a:buFont typeface="Wingdings" panose="05000000000000000000" pitchFamily="2" charset="2"/>
-              <a:buChar char="Ø"/>
-            </a:pPr>
-            <a:endParaRPr lang="en-US" sz="1400" spc="-30" dirty="0" smtClean="0">
-              <a:solidFill>
-                <a:srgbClr val="3333B2"/>
-              </a:solidFill>
-              <a:latin typeface="Lucida Sans Unicode"/>
-              <a:cs typeface="Lucida Sans Unicode"/>
-            </a:endParaRPr>
+              <a:t>)</a:t>
+            </a:r>
           </a:p>
           <a:p>
             <a:pPr marL="273685" indent="-171450" algn="just">
@@ -3364,10 +3510,106 @@
           </a:p>
         </p:txBody>
       </p:sp>
+      <p:pic>
+        <p:nvPicPr>
+          <p:cNvPr id="12" name="Picture 11"/>
+          <p:cNvPicPr>
+            <a:picLocks noChangeAspect="1"/>
+          </p:cNvPicPr>
+          <p:nvPr/>
+        </p:nvPicPr>
+        <p:blipFill>
+          <a:blip r:embed="rId3"/>
+          <a:stretch>
+            <a:fillRect/>
+          </a:stretch>
+        </p:blipFill>
+        <p:spPr>
+          <a:xfrm>
+            <a:off x="1524000" y="2654387"/>
+            <a:ext cx="2000250" cy="752388"/>
+          </a:xfrm>
+          <a:prstGeom prst="rect">
+            <a:avLst/>
+          </a:prstGeom>
+        </p:spPr>
+      </p:pic>
+      <p:pic>
+        <p:nvPicPr>
+          <p:cNvPr id="4" name="Picture 3"/>
+          <p:cNvPicPr>
+            <a:picLocks noChangeAspect="1"/>
+          </p:cNvPicPr>
+          <p:nvPr/>
+        </p:nvPicPr>
+        <p:blipFill>
+          <a:blip r:embed="rId4"/>
+          <a:stretch>
+            <a:fillRect/>
+          </a:stretch>
+        </p:blipFill>
+        <p:spPr>
+          <a:xfrm>
+            <a:off x="1030277" y="485088"/>
+            <a:ext cx="1493848" cy="374974"/>
+          </a:xfrm>
+          <a:prstGeom prst="rect">
+            <a:avLst/>
+          </a:prstGeom>
+        </p:spPr>
+      </p:pic>
+      <p:pic>
+        <p:nvPicPr>
+          <p:cNvPr id="5" name="Picture 4"/>
+          <p:cNvPicPr>
+            <a:picLocks noChangeAspect="1"/>
+          </p:cNvPicPr>
+          <p:nvPr/>
+        </p:nvPicPr>
+        <p:blipFill>
+          <a:blip r:embed="rId5"/>
+          <a:stretch>
+            <a:fillRect/>
+          </a:stretch>
+        </p:blipFill>
+        <p:spPr>
+          <a:xfrm>
+            <a:off x="16531" y="917212"/>
+            <a:ext cx="2206014" cy="1608553"/>
+          </a:xfrm>
+          <a:prstGeom prst="rect">
+            <a:avLst/>
+          </a:prstGeom>
+        </p:spPr>
+      </p:pic>
+      <p:pic>
+        <p:nvPicPr>
+          <p:cNvPr id="7" name="Picture 6"/>
+          <p:cNvPicPr>
+            <a:picLocks noChangeAspect="1"/>
+          </p:cNvPicPr>
+          <p:nvPr/>
+        </p:nvPicPr>
+        <p:blipFill>
+          <a:blip r:embed="rId6"/>
+          <a:stretch>
+            <a:fillRect/>
+          </a:stretch>
+        </p:blipFill>
+        <p:spPr>
+          <a:xfrm>
+            <a:off x="2381250" y="773288"/>
+            <a:ext cx="2149334" cy="1732141"/>
+          </a:xfrm>
+          <a:prstGeom prst="rect">
+            <a:avLst/>
+          </a:prstGeom>
+        </p:spPr>
+      </p:pic>
     </p:spTree>
     <p:extLst>
       <p:ext uri="{BB962C8B-B14F-4D97-AF65-F5344CB8AC3E}">
-        <p14:creationId xmlns:p14="http://schemas.microsoft.com/office/powerpoint/2010/main" val="2545033031"/>
+        <p14:creationId xmlns:p14="http://schemas.microsoft.com/office/powerpoint/2010/main" val="1283154213"/>
       </p:ext>
     </p:extLst>
   </p:cSld>
@@ -3438,8 +3680,336 @@
               </a:spcBef>
             </a:pPr>
             <a:r>
+              <a:rPr lang="en-US" sz="1800" dirty="0" err="1" smtClean="0"/>
+              <a:t>PRelu</a:t>
+            </a:r>
+            <a:endParaRPr sz="1800" spc="-80" dirty="0"/>
+          </a:p>
+        </p:txBody>
+      </p:sp>
+      <p:sp>
+        <p:nvSpPr>
+          <p:cNvPr id="6" name="AutoShape 2" descr="Image result for leaky relu image"/>
+          <p:cNvSpPr>
+            <a:spLocks noChangeAspect="1" noChangeArrowheads="1"/>
+          </p:cNvSpPr>
+          <p:nvPr/>
+        </p:nvSpPr>
+        <p:spPr bwMode="auto">
+          <a:xfrm>
+            <a:off x="155575" y="-144463"/>
+            <a:ext cx="304800" cy="304801"/>
+          </a:xfrm>
+          <a:prstGeom prst="rect">
+            <a:avLst/>
+          </a:prstGeom>
+          <a:noFill/>
+          <a:extLst>
+            <a:ext uri="{909E8E84-426E-40DD-AFC4-6F175D3DCCD1}">
+              <a14:hiddenFill xmlns:a14="http://schemas.microsoft.com/office/drawing/2010/main">
+                <a:solidFill>
+                  <a:srgbClr val="FFFFFF"/>
+                </a:solidFill>
+              </a14:hiddenFill>
+            </a:ext>
+          </a:extLst>
+        </p:spPr>
+        <p:txBody>
+          <a:bodyPr vert="horz" wrap="square" lIns="91440" tIns="45720" rIns="91440" bIns="45720" numCol="1" anchor="t" anchorCtr="0" compatLnSpc="1">
+            <a:prstTxWarp prst="textNoShape">
+              <a:avLst/>
+            </a:prstTxWarp>
+          </a:bodyPr>
+          <a:lstStyle/>
+          <a:p>
+            <a:endParaRPr lang="en-US"/>
+          </a:p>
+        </p:txBody>
+      </p:sp>
+      <p:pic>
+        <p:nvPicPr>
+          <p:cNvPr id="9" name="Picture 8"/>
+          <p:cNvPicPr>
+            <a:picLocks noChangeAspect="1"/>
+          </p:cNvPicPr>
+          <p:nvPr/>
+        </p:nvPicPr>
+        <p:blipFill>
+          <a:blip r:embed="rId3"/>
+          <a:stretch>
+            <a:fillRect/>
+          </a:stretch>
+        </p:blipFill>
+        <p:spPr>
+          <a:xfrm>
+            <a:off x="31839" y="1044575"/>
+            <a:ext cx="3978120" cy="1600200"/>
+          </a:xfrm>
+          <a:prstGeom prst="rect">
+            <a:avLst/>
+          </a:prstGeom>
+        </p:spPr>
+      </p:pic>
+    </p:spTree>
+    <p:extLst>
+      <p:ext uri="{BB962C8B-B14F-4D97-AF65-F5344CB8AC3E}">
+        <p14:creationId xmlns:p14="http://schemas.microsoft.com/office/powerpoint/2010/main" val="2338524838"/>
+      </p:ext>
+    </p:extLst>
+  </p:cSld>
+  <p:clrMapOvr>
+    <a:masterClrMapping/>
+  </p:clrMapOvr>
+  <p:transition>
+    <p:cut/>
+  </p:transition>
+  <p:timing>
+    <p:tnLst>
+      <p:par>
+        <p:cTn id="1" dur="indefinite" restart="never" nodeType="tmRoot"/>
+      </p:par>
+    </p:tnLst>
+  </p:timing>
+</p:sld>
+</file>
+
+<file path=ppt/slides/slide14.xml><?xml version="1.0" encoding="utf-8"?>
+<p:sld xmlns:a="http://schemas.openxmlformats.org/drawingml/2006/main" xmlns:r="http://schemas.openxmlformats.org/officeDocument/2006/relationships" xmlns:p="http://schemas.openxmlformats.org/presentationml/2006/main">
+  <p:cSld>
+    <p:spTree>
+      <p:nvGrpSpPr>
+        <p:cNvPr id="1" name=""/>
+        <p:cNvGrpSpPr/>
+        <p:nvPr/>
+      </p:nvGrpSpPr>
+      <p:grpSpPr>
+        <a:xfrm>
+          <a:off x="0" y="0"/>
+          <a:ext cx="0" cy="0"/>
+          <a:chOff x="0" y="0"/>
+          <a:chExt cx="0" cy="0"/>
+        </a:xfrm>
+      </p:grpSpPr>
+      <p:sp>
+        <p:nvSpPr>
+          <p:cNvPr id="2" name="object 2"/>
+          <p:cNvSpPr txBox="1">
+            <a:spLocks noGrp="1"/>
+          </p:cNvSpPr>
+          <p:nvPr>
+            <p:ph type="title"/>
+          </p:nvPr>
+        </p:nvSpPr>
+        <p:spPr>
+          <a:xfrm>
+            <a:off x="704850" y="79679"/>
+            <a:ext cx="3124200" cy="294311"/>
+          </a:xfrm>
+          <a:prstGeom prst="rect">
+            <a:avLst/>
+          </a:prstGeom>
+        </p:spPr>
+        <p:txBody>
+          <a:bodyPr vert="horz" wrap="square" lIns="0" tIns="17145" rIns="0" bIns="0" rtlCol="0">
+            <a:spAutoFit/>
+          </a:bodyPr>
+          <a:lstStyle/>
+          <a:p>
+            <a:pPr marL="12700">
+              <a:lnSpc>
+                <a:spcPct val="100000"/>
+              </a:lnSpc>
+              <a:spcBef>
+                <a:spcPts val="135"/>
+              </a:spcBef>
+            </a:pPr>
+            <a:r>
+              <a:rPr lang="en-US" sz="1800" dirty="0" smtClean="0"/>
+              <a:t>Swish </a:t>
+            </a:r>
+            <a:r>
+              <a:rPr lang="en-US" sz="1800" dirty="0" err="1" smtClean="0"/>
+              <a:t>Relu</a:t>
+            </a:r>
+            <a:endParaRPr sz="1800" spc="-80" dirty="0"/>
+          </a:p>
+        </p:txBody>
+      </p:sp>
+      <p:sp>
+        <p:nvSpPr>
+          <p:cNvPr id="6" name="AutoShape 2" descr="Image result for leaky relu image"/>
+          <p:cNvSpPr>
+            <a:spLocks noChangeAspect="1" noChangeArrowheads="1"/>
+          </p:cNvSpPr>
+          <p:nvPr/>
+        </p:nvSpPr>
+        <p:spPr bwMode="auto">
+          <a:xfrm>
+            <a:off x="155575" y="-144463"/>
+            <a:ext cx="304800" cy="304801"/>
+          </a:xfrm>
+          <a:prstGeom prst="rect">
+            <a:avLst/>
+          </a:prstGeom>
+          <a:noFill/>
+          <a:extLst>
+            <a:ext uri="{909E8E84-426E-40DD-AFC4-6F175D3DCCD1}">
+              <a14:hiddenFill xmlns:a14="http://schemas.microsoft.com/office/drawing/2010/main">
+                <a:solidFill>
+                  <a:srgbClr val="FFFFFF"/>
+                </a:solidFill>
+              </a14:hiddenFill>
+            </a:ext>
+          </a:extLst>
+        </p:spPr>
+        <p:txBody>
+          <a:bodyPr vert="horz" wrap="square" lIns="91440" tIns="45720" rIns="91440" bIns="45720" numCol="1" anchor="t" anchorCtr="0" compatLnSpc="1">
+            <a:prstTxWarp prst="textNoShape">
+              <a:avLst/>
+            </a:prstTxWarp>
+          </a:bodyPr>
+          <a:lstStyle/>
+          <a:p>
+            <a:endParaRPr lang="en-US"/>
+          </a:p>
+        </p:txBody>
+      </p:sp>
+      <p:pic>
+        <p:nvPicPr>
+          <p:cNvPr id="4" name="Picture 3"/>
+          <p:cNvPicPr>
+            <a:picLocks noChangeAspect="1"/>
+          </p:cNvPicPr>
+          <p:nvPr/>
+        </p:nvPicPr>
+        <p:blipFill>
+          <a:blip r:embed="rId3"/>
+          <a:stretch>
+            <a:fillRect/>
+          </a:stretch>
+        </p:blipFill>
+        <p:spPr>
+          <a:xfrm>
+            <a:off x="857250" y="469107"/>
+            <a:ext cx="1304925" cy="266700"/>
+          </a:xfrm>
+          <a:prstGeom prst="rect">
+            <a:avLst/>
+          </a:prstGeom>
+        </p:spPr>
+      </p:pic>
+      <p:sp>
+        <p:nvSpPr>
+          <p:cNvPr id="5" name="TextBox 4"/>
+          <p:cNvSpPr txBox="1"/>
+          <p:nvPr/>
+        </p:nvSpPr>
+        <p:spPr>
+          <a:xfrm>
+            <a:off x="0" y="892175"/>
+            <a:ext cx="4514849" cy="646331"/>
+          </a:xfrm>
+          <a:prstGeom prst="rect">
+            <a:avLst/>
+          </a:prstGeom>
+          <a:noFill/>
+        </p:spPr>
+        <p:txBody>
+          <a:bodyPr wrap="square" rtlCol="0">
+            <a:spAutoFit/>
+          </a:bodyPr>
+          <a:lstStyle/>
+          <a:p>
+            <a:r>
+              <a:rPr lang="en-US" dirty="0" smtClean="0"/>
+              <a:t>Use for LSTM</a:t>
+            </a:r>
+          </a:p>
+          <a:p>
+            <a:r>
+              <a:rPr lang="en-US" dirty="0" smtClean="0"/>
+              <a:t>Used when having more than 40 layers</a:t>
+            </a:r>
+            <a:endParaRPr lang="en-US" dirty="0"/>
+          </a:p>
+        </p:txBody>
+      </p:sp>
+    </p:spTree>
+    <p:extLst>
+      <p:ext uri="{BB962C8B-B14F-4D97-AF65-F5344CB8AC3E}">
+        <p14:creationId xmlns:p14="http://schemas.microsoft.com/office/powerpoint/2010/main" val="2240465994"/>
+      </p:ext>
+    </p:extLst>
+  </p:cSld>
+  <p:clrMapOvr>
+    <a:masterClrMapping/>
+  </p:clrMapOvr>
+  <p:transition>
+    <p:cut/>
+  </p:transition>
+  <p:timing>
+    <p:tnLst>
+      <p:par>
+        <p:cTn id="1" dur="indefinite" restart="never" nodeType="tmRoot"/>
+      </p:par>
+    </p:tnLst>
+  </p:timing>
+</p:sld>
+</file>
+
+<file path=ppt/slides/slide15.xml><?xml version="1.0" encoding="utf-8"?>
+<p:sld xmlns:a="http://schemas.openxmlformats.org/drawingml/2006/main" xmlns:r="http://schemas.openxmlformats.org/officeDocument/2006/relationships" xmlns:p="http://schemas.openxmlformats.org/presentationml/2006/main">
+  <p:cSld>
+    <p:spTree>
+      <p:nvGrpSpPr>
+        <p:cNvPr id="1" name=""/>
+        <p:cNvGrpSpPr/>
+        <p:nvPr/>
+      </p:nvGrpSpPr>
+      <p:grpSpPr>
+        <a:xfrm>
+          <a:off x="0" y="0"/>
+          <a:ext cx="0" cy="0"/>
+          <a:chOff x="0" y="0"/>
+          <a:chExt cx="0" cy="0"/>
+        </a:xfrm>
+      </p:grpSpPr>
+      <p:sp>
+        <p:nvSpPr>
+          <p:cNvPr id="2" name="object 2"/>
+          <p:cNvSpPr txBox="1">
+            <a:spLocks noGrp="1"/>
+          </p:cNvSpPr>
+          <p:nvPr>
+            <p:ph type="title"/>
+          </p:nvPr>
+        </p:nvSpPr>
+        <p:spPr>
+          <a:xfrm>
+            <a:off x="704850" y="79679"/>
+            <a:ext cx="3124200" cy="294311"/>
+          </a:xfrm>
+          <a:prstGeom prst="rect">
+            <a:avLst/>
+          </a:prstGeom>
+        </p:spPr>
+        <p:txBody>
+          <a:bodyPr vert="horz" wrap="square" lIns="0" tIns="17145" rIns="0" bIns="0" rtlCol="0">
+            <a:spAutoFit/>
+          </a:bodyPr>
+          <a:lstStyle/>
+          <a:p>
+            <a:pPr marL="12700">
+              <a:lnSpc>
+                <a:spcPct val="100000"/>
+              </a:lnSpc>
+              <a:spcBef>
+                <a:spcPts val="135"/>
+              </a:spcBef>
+            </a:pPr>
+            <a:r>
               <a:rPr lang="en-US" sz="1800" spc="-80" dirty="0" smtClean="0"/>
-              <a:t>Loss function </a:t>
+              <a:t>Use of Activation function </a:t>
             </a:r>
             <a:endParaRPr sz="1800" spc="-80" dirty="0"/>
           </a:p>
@@ -3458,7 +4028,7 @@
         <p:spPr>
           <a:xfrm>
             <a:off x="0" y="434975"/>
-            <a:ext cx="4343400" cy="1763303"/>
+            <a:ext cx="4343400" cy="3525324"/>
           </a:xfrm>
           <a:prstGeom prst="rect">
             <a:avLst/>
@@ -3504,9 +4074,60 @@
                 </a:solidFill>
                 <a:latin typeface="Lucida Sans Unicode"/>
                 <a:cs typeface="Lucida Sans Unicode"/>
-                <a:sym typeface="Wingdings" panose="05000000000000000000" pitchFamily="2" charset="2"/>
               </a:rPr>
-              <a:t>Cross </a:t>
+              <a:t>Which activation function should used</a:t>
+            </a:r>
+          </a:p>
+          <a:p>
+            <a:pPr marL="273685" indent="-171450" algn="just">
+              <a:lnSpc>
+                <a:spcPct val="100000"/>
+              </a:lnSpc>
+              <a:spcBef>
+                <a:spcPts val="90"/>
+              </a:spcBef>
+              <a:buFont typeface="Wingdings" panose="05000000000000000000" pitchFamily="2" charset="2"/>
+              <a:buChar char="Ø"/>
+            </a:pPr>
+            <a:r>
+              <a:rPr lang="en-US" sz="1400" spc="-30" dirty="0">
+                <a:solidFill>
+                  <a:srgbClr val="3333B2"/>
+                </a:solidFill>
+                <a:latin typeface="Lucida Sans Unicode"/>
+                <a:cs typeface="Lucida Sans Unicode"/>
+              </a:rPr>
+              <a:t> </a:t>
+            </a:r>
+            <a:r>
+              <a:rPr lang="en-US" sz="1400" spc="-30" dirty="0" smtClean="0">
+                <a:solidFill>
+                  <a:srgbClr val="3333B2"/>
+                </a:solidFill>
+                <a:latin typeface="Lucida Sans Unicode"/>
+                <a:cs typeface="Lucida Sans Unicode"/>
+              </a:rPr>
+              <a:t>with sigmoid and </a:t>
+            </a:r>
+            <a:r>
+              <a:rPr lang="en-US" sz="1400" spc="-30" dirty="0" err="1" smtClean="0">
+                <a:solidFill>
+                  <a:srgbClr val="3333B2"/>
+                </a:solidFill>
+                <a:latin typeface="Lucida Sans Unicode"/>
+                <a:cs typeface="Lucida Sans Unicode"/>
+              </a:rPr>
+              <a:t>tanh</a:t>
+            </a:r>
+            <a:r>
+              <a:rPr lang="en-US" sz="1400" spc="-30" dirty="0" smtClean="0">
+                <a:solidFill>
+                  <a:srgbClr val="3333B2"/>
+                </a:solidFill>
+                <a:latin typeface="Lucida Sans Unicode"/>
+                <a:cs typeface="Lucida Sans Unicode"/>
+              </a:rPr>
+              <a:t> </a:t>
             </a:r>
             <a:r>
               <a:rPr lang="en-US" sz="1400" spc="-30" dirty="0" smtClean="0">
@@ -3517,8 +4138,211 @@
                 <a:cs typeface="Lucida Sans Unicode"/>
                 <a:sym typeface="Wingdings" panose="05000000000000000000" pitchFamily="2" charset="2"/>
               </a:rPr>
-              <a:t>entropy for Binary classification</a:t>
-            </a:r>
+              <a:t> vanishing Gradient descent.</a:t>
+            </a:r>
+          </a:p>
+          <a:p>
+            <a:pPr marL="273685" indent="-171450" algn="just">
+              <a:lnSpc>
+                <a:spcPct val="100000"/>
+              </a:lnSpc>
+              <a:spcBef>
+                <a:spcPts val="90"/>
+              </a:spcBef>
+              <a:buFont typeface="Wingdings" panose="05000000000000000000" pitchFamily="2" charset="2"/>
+              <a:buChar char="Ø"/>
+            </a:pPr>
+            <a:r>
+              <a:rPr lang="en-US" sz="1400" spc="-30" dirty="0" smtClean="0">
+                <a:solidFill>
+                  <a:srgbClr val="3333B2"/>
+                </a:solidFill>
+                <a:latin typeface="Lucida Sans Unicode"/>
+                <a:cs typeface="Lucida Sans Unicode"/>
+                <a:sym typeface="Wingdings" panose="05000000000000000000" pitchFamily="2" charset="2"/>
+              </a:rPr>
+              <a:t>With Binary classification</a:t>
+            </a:r>
+          </a:p>
+          <a:p>
+            <a:pPr marL="273685" indent="-171450" algn="just">
+              <a:lnSpc>
+                <a:spcPct val="100000"/>
+              </a:lnSpc>
+              <a:spcBef>
+                <a:spcPts val="90"/>
+              </a:spcBef>
+              <a:buFont typeface="Wingdings" panose="05000000000000000000" pitchFamily="2" charset="2"/>
+              <a:buChar char="Ø"/>
+            </a:pPr>
+            <a:r>
+              <a:rPr lang="en-US" sz="1400" spc="-30" dirty="0" smtClean="0">
+                <a:solidFill>
+                  <a:srgbClr val="3333B2"/>
+                </a:solidFill>
+                <a:latin typeface="Lucida Sans Unicode"/>
+                <a:cs typeface="Lucida Sans Unicode"/>
+                <a:sym typeface="Wingdings" panose="05000000000000000000" pitchFamily="2" charset="2"/>
+              </a:rPr>
+              <a:t>With hidden layer use </a:t>
+            </a:r>
+            <a:r>
+              <a:rPr lang="en-US" sz="1400" spc="-30" dirty="0" err="1" smtClean="0">
+                <a:solidFill>
+                  <a:srgbClr val="3333B2"/>
+                </a:solidFill>
+                <a:latin typeface="Lucida Sans Unicode"/>
+                <a:cs typeface="Lucida Sans Unicode"/>
+                <a:sym typeface="Wingdings" panose="05000000000000000000" pitchFamily="2" charset="2"/>
+              </a:rPr>
+              <a:t>Relu</a:t>
+            </a:r>
+            <a:r>
+              <a:rPr lang="en-US" sz="1400" spc="-30" dirty="0" smtClean="0">
+                <a:solidFill>
+                  <a:srgbClr val="3333B2"/>
+                </a:solidFill>
+                <a:latin typeface="Lucida Sans Unicode"/>
+                <a:cs typeface="Lucida Sans Unicode"/>
+                <a:sym typeface="Wingdings" panose="05000000000000000000" pitchFamily="2" charset="2"/>
+              </a:rPr>
+              <a:t>/ELU/</a:t>
+            </a:r>
+            <a:r>
+              <a:rPr lang="en-US" sz="1400" spc="-30" dirty="0" err="1" smtClean="0">
+                <a:solidFill>
+                  <a:srgbClr val="3333B2"/>
+                </a:solidFill>
+                <a:latin typeface="Lucida Sans Unicode"/>
+                <a:cs typeface="Lucida Sans Unicode"/>
+                <a:sym typeface="Wingdings" panose="05000000000000000000" pitchFamily="2" charset="2"/>
+              </a:rPr>
+              <a:t>PRelu</a:t>
+            </a:r>
+            <a:r>
+              <a:rPr lang="en-US" sz="1400" spc="-30" dirty="0" smtClean="0">
+                <a:solidFill>
+                  <a:srgbClr val="3333B2"/>
+                </a:solidFill>
+                <a:latin typeface="Lucida Sans Unicode"/>
+                <a:cs typeface="Lucida Sans Unicode"/>
+                <a:sym typeface="Wingdings" panose="05000000000000000000" pitchFamily="2" charset="2"/>
+              </a:rPr>
+              <a:t> and in output layer use sigmoid activation function.</a:t>
+            </a:r>
+          </a:p>
+          <a:p>
+            <a:pPr marL="273685" indent="-171450" algn="just">
+              <a:lnSpc>
+                <a:spcPct val="100000"/>
+              </a:lnSpc>
+              <a:spcBef>
+                <a:spcPts val="90"/>
+              </a:spcBef>
+              <a:buFont typeface="Wingdings" panose="05000000000000000000" pitchFamily="2" charset="2"/>
+              <a:buChar char="Ø"/>
+            </a:pPr>
+            <a:r>
+              <a:rPr lang="en-US" sz="1400" spc="-30" dirty="0">
+                <a:solidFill>
+                  <a:srgbClr val="3333B2"/>
+                </a:solidFill>
+                <a:latin typeface="Lucida Sans Unicode"/>
+                <a:cs typeface="Lucida Sans Unicode"/>
+                <a:sym typeface="Wingdings" panose="05000000000000000000" pitchFamily="2" charset="2"/>
+              </a:rPr>
+              <a:t> </a:t>
+            </a:r>
+            <a:r>
+              <a:rPr lang="en-US" sz="1400" spc="-30" dirty="0" smtClean="0">
+                <a:solidFill>
+                  <a:srgbClr val="3333B2"/>
+                </a:solidFill>
+                <a:latin typeface="Lucida Sans Unicode"/>
+                <a:cs typeface="Lucida Sans Unicode"/>
+                <a:sym typeface="Wingdings" panose="05000000000000000000" pitchFamily="2" charset="2"/>
+              </a:rPr>
+              <a:t>with Multi classification use </a:t>
+            </a:r>
+            <a:r>
+              <a:rPr lang="en-US" sz="1400" spc="-30" dirty="0" err="1" smtClean="0">
+                <a:solidFill>
+                  <a:srgbClr val="3333B2"/>
+                </a:solidFill>
+                <a:latin typeface="Lucida Sans Unicode"/>
+                <a:cs typeface="Lucida Sans Unicode"/>
+                <a:sym typeface="Wingdings" panose="05000000000000000000" pitchFamily="2" charset="2"/>
+              </a:rPr>
+              <a:t>SoftMax</a:t>
+            </a:r>
+            <a:r>
+              <a:rPr lang="en-US" sz="1400" spc="-30" dirty="0" smtClean="0">
+                <a:solidFill>
+                  <a:srgbClr val="3333B2"/>
+                </a:solidFill>
+                <a:latin typeface="Lucida Sans Unicode"/>
+                <a:cs typeface="Lucida Sans Unicode"/>
+                <a:sym typeface="Wingdings" panose="05000000000000000000" pitchFamily="2" charset="2"/>
+              </a:rPr>
+              <a:t> activation function in output layer , hidden layer will be same.</a:t>
+            </a:r>
+          </a:p>
+          <a:p>
+            <a:pPr marL="273685" indent="-171450" algn="just">
+              <a:lnSpc>
+                <a:spcPct val="100000"/>
+              </a:lnSpc>
+              <a:spcBef>
+                <a:spcPts val="90"/>
+              </a:spcBef>
+              <a:buFont typeface="Wingdings" panose="05000000000000000000" pitchFamily="2" charset="2"/>
+              <a:buChar char="Ø"/>
+            </a:pPr>
+            <a:r>
+              <a:rPr lang="en-US" sz="1400" spc="-30" dirty="0" smtClean="0">
+                <a:solidFill>
+                  <a:srgbClr val="3333B2"/>
+                </a:solidFill>
+                <a:latin typeface="Lucida Sans Unicode"/>
+                <a:cs typeface="Lucida Sans Unicode"/>
+                <a:sym typeface="Wingdings" panose="05000000000000000000" pitchFamily="2" charset="2"/>
+              </a:rPr>
+              <a:t>With Regression use </a:t>
+            </a:r>
+            <a:r>
+              <a:rPr lang="en-US" sz="1400" spc="-30" dirty="0" err="1" smtClean="0">
+                <a:solidFill>
+                  <a:srgbClr val="3333B2"/>
+                </a:solidFill>
+                <a:latin typeface="Lucida Sans Unicode"/>
+                <a:cs typeface="Lucida Sans Unicode"/>
+                <a:sym typeface="Wingdings" panose="05000000000000000000" pitchFamily="2" charset="2"/>
+              </a:rPr>
+              <a:t>Relu</a:t>
+            </a:r>
+            <a:r>
+              <a:rPr lang="en-US" sz="1400" spc="-30" dirty="0" smtClean="0">
+                <a:solidFill>
+                  <a:srgbClr val="3333B2"/>
+                </a:solidFill>
+                <a:latin typeface="Lucida Sans Unicode"/>
+                <a:cs typeface="Lucida Sans Unicode"/>
+                <a:sym typeface="Wingdings" panose="05000000000000000000" pitchFamily="2" charset="2"/>
+              </a:rPr>
+              <a:t> for hidden layer and Linear activation function for output layer.</a:t>
+            </a:r>
+          </a:p>
+          <a:p>
+            <a:pPr marL="273685" indent="-171450" algn="just">
+              <a:lnSpc>
+                <a:spcPct val="100000"/>
+              </a:lnSpc>
+              <a:spcBef>
+                <a:spcPts val="90"/>
+              </a:spcBef>
+              <a:buFont typeface="Wingdings" panose="05000000000000000000" pitchFamily="2" charset="2"/>
+              <a:buChar char="Ø"/>
+            </a:pPr>
             <a:endParaRPr lang="en-US" sz="1400" spc="-30" dirty="0" smtClean="0">
               <a:solidFill>
                 <a:srgbClr val="3333B2"/>
@@ -3527,6 +4351,249 @@
               <a:cs typeface="Lucida Sans Unicode"/>
               <a:sym typeface="Wingdings" panose="05000000000000000000" pitchFamily="2" charset="2"/>
             </a:endParaRPr>
+          </a:p>
+          <a:p>
+            <a:pPr marL="273685" indent="-171450" algn="just">
+              <a:lnSpc>
+                <a:spcPct val="100000"/>
+              </a:lnSpc>
+              <a:spcBef>
+                <a:spcPts val="90"/>
+              </a:spcBef>
+              <a:buFont typeface="Wingdings" panose="05000000000000000000" pitchFamily="2" charset="2"/>
+              <a:buChar char="Ø"/>
+            </a:pPr>
+            <a:endParaRPr lang="en-US" sz="1400" spc="-30" dirty="0" smtClean="0">
+              <a:solidFill>
+                <a:srgbClr val="3333B2"/>
+              </a:solidFill>
+              <a:latin typeface="Lucida Sans Unicode"/>
+              <a:cs typeface="Lucida Sans Unicode"/>
+            </a:endParaRPr>
+          </a:p>
+          <a:p>
+            <a:pPr marL="273685" indent="-171450" algn="just">
+              <a:lnSpc>
+                <a:spcPct val="100000"/>
+              </a:lnSpc>
+              <a:spcBef>
+                <a:spcPts val="90"/>
+              </a:spcBef>
+              <a:buFont typeface="Wingdings" panose="05000000000000000000" pitchFamily="2" charset="2"/>
+              <a:buChar char="Ø"/>
+            </a:pPr>
+            <a:endParaRPr lang="en-US" sz="1200" spc="-30" dirty="0" smtClean="0">
+              <a:solidFill>
+                <a:srgbClr val="3333B2"/>
+              </a:solidFill>
+              <a:latin typeface="Lucida Sans Unicode"/>
+              <a:cs typeface="Lucida Sans Unicode"/>
+              <a:sym typeface="Wingdings" panose="05000000000000000000" pitchFamily="2" charset="2"/>
+            </a:endParaRPr>
+          </a:p>
+          <a:p>
+            <a:pPr marL="102235" algn="just">
+              <a:lnSpc>
+                <a:spcPct val="100000"/>
+              </a:lnSpc>
+              <a:spcBef>
+                <a:spcPts val="90"/>
+              </a:spcBef>
+            </a:pPr>
+            <a:endParaRPr lang="en-US" sz="1200" spc="-30" dirty="0" smtClean="0">
+              <a:solidFill>
+                <a:srgbClr val="3333B2"/>
+              </a:solidFill>
+              <a:latin typeface="Lucida Sans Unicode"/>
+              <a:cs typeface="Lucida Sans Unicode"/>
+              <a:sym typeface="Wingdings" panose="05000000000000000000" pitchFamily="2" charset="2"/>
+            </a:endParaRPr>
+          </a:p>
+        </p:txBody>
+      </p:sp>
+      <p:sp>
+        <p:nvSpPr>
+          <p:cNvPr id="6" name="AutoShape 2" descr="Image result for leaky relu image"/>
+          <p:cNvSpPr>
+            <a:spLocks noChangeAspect="1" noChangeArrowheads="1"/>
+          </p:cNvSpPr>
+          <p:nvPr/>
+        </p:nvSpPr>
+        <p:spPr bwMode="auto">
+          <a:xfrm>
+            <a:off x="155575" y="-144463"/>
+            <a:ext cx="304800" cy="304801"/>
+          </a:xfrm>
+          <a:prstGeom prst="rect">
+            <a:avLst/>
+          </a:prstGeom>
+          <a:noFill/>
+          <a:extLst>
+            <a:ext uri="{909E8E84-426E-40DD-AFC4-6F175D3DCCD1}">
+              <a14:hiddenFill xmlns:a14="http://schemas.microsoft.com/office/drawing/2010/main">
+                <a:solidFill>
+                  <a:srgbClr val="FFFFFF"/>
+                </a:solidFill>
+              </a14:hiddenFill>
+            </a:ext>
+          </a:extLst>
+        </p:spPr>
+        <p:txBody>
+          <a:bodyPr vert="horz" wrap="square" lIns="91440" tIns="45720" rIns="91440" bIns="45720" numCol="1" anchor="t" anchorCtr="0" compatLnSpc="1">
+            <a:prstTxWarp prst="textNoShape">
+              <a:avLst/>
+            </a:prstTxWarp>
+          </a:bodyPr>
+          <a:lstStyle/>
+          <a:p>
+            <a:endParaRPr lang="en-US"/>
+          </a:p>
+        </p:txBody>
+      </p:sp>
+    </p:spTree>
+    <p:extLst>
+      <p:ext uri="{BB962C8B-B14F-4D97-AF65-F5344CB8AC3E}">
+        <p14:creationId xmlns:p14="http://schemas.microsoft.com/office/powerpoint/2010/main" val="2545033031"/>
+      </p:ext>
+    </p:extLst>
+  </p:cSld>
+  <p:clrMapOvr>
+    <a:masterClrMapping/>
+  </p:clrMapOvr>
+  <p:transition>
+    <p:cut/>
+  </p:transition>
+  <p:timing>
+    <p:tnLst>
+      <p:par>
+        <p:cTn id="1" dur="indefinite" restart="never" nodeType="tmRoot"/>
+      </p:par>
+    </p:tnLst>
+  </p:timing>
+</p:sld>
+</file>
+
+<file path=ppt/slides/slide16.xml><?xml version="1.0" encoding="utf-8"?>
+<p:sld xmlns:a="http://schemas.openxmlformats.org/drawingml/2006/main" xmlns:r="http://schemas.openxmlformats.org/officeDocument/2006/relationships" xmlns:p="http://schemas.openxmlformats.org/presentationml/2006/main">
+  <p:cSld>
+    <p:spTree>
+      <p:nvGrpSpPr>
+        <p:cNvPr id="1" name=""/>
+        <p:cNvGrpSpPr/>
+        <p:nvPr/>
+      </p:nvGrpSpPr>
+      <p:grpSpPr>
+        <a:xfrm>
+          <a:off x="0" y="0"/>
+          <a:ext cx="0" cy="0"/>
+          <a:chOff x="0" y="0"/>
+          <a:chExt cx="0" cy="0"/>
+        </a:xfrm>
+      </p:grpSpPr>
+      <p:sp>
+        <p:nvSpPr>
+          <p:cNvPr id="2" name="object 2"/>
+          <p:cNvSpPr txBox="1">
+            <a:spLocks noGrp="1"/>
+          </p:cNvSpPr>
+          <p:nvPr>
+            <p:ph type="title"/>
+          </p:nvPr>
+        </p:nvSpPr>
+        <p:spPr>
+          <a:xfrm>
+            <a:off x="704850" y="79679"/>
+            <a:ext cx="3124200" cy="294311"/>
+          </a:xfrm>
+          <a:prstGeom prst="rect">
+            <a:avLst/>
+          </a:prstGeom>
+        </p:spPr>
+        <p:txBody>
+          <a:bodyPr vert="horz" wrap="square" lIns="0" tIns="17145" rIns="0" bIns="0" rtlCol="0">
+            <a:spAutoFit/>
+          </a:bodyPr>
+          <a:lstStyle/>
+          <a:p>
+            <a:pPr marL="12700">
+              <a:lnSpc>
+                <a:spcPct val="100000"/>
+              </a:lnSpc>
+              <a:spcBef>
+                <a:spcPts val="135"/>
+              </a:spcBef>
+            </a:pPr>
+            <a:r>
+              <a:rPr lang="en-US" sz="1800" spc="-80" dirty="0" smtClean="0"/>
+              <a:t>Loss function </a:t>
+            </a:r>
+            <a:endParaRPr sz="1800" spc="-80" dirty="0"/>
+          </a:p>
+        </p:txBody>
+      </p:sp>
+      <p:sp>
+        <p:nvSpPr>
+          <p:cNvPr id="3" name="object 3"/>
+          <p:cNvSpPr txBox="1">
+            <a:spLocks noGrp="1"/>
+          </p:cNvSpPr>
+          <p:nvPr>
+            <p:ph type="body" idx="1"/>
+          </p:nvPr>
+        </p:nvSpPr>
+        <p:spPr>
+          <a:xfrm>
+            <a:off x="0" y="434975"/>
+            <a:ext cx="4343400" cy="1763303"/>
+          </a:xfrm>
+          <a:prstGeom prst="rect">
+            <a:avLst/>
+          </a:prstGeom>
+        </p:spPr>
+        <p:txBody>
+          <a:bodyPr vert="horz" wrap="square" lIns="0" tIns="11430" rIns="0" bIns="0" rtlCol="0">
+            <a:spAutoFit/>
+          </a:bodyPr>
+          <a:lstStyle/>
+          <a:p>
+            <a:pPr marL="102235" algn="just">
+              <a:lnSpc>
+                <a:spcPct val="100000"/>
+              </a:lnSpc>
+              <a:spcBef>
+                <a:spcPts val="90"/>
+              </a:spcBef>
+            </a:pPr>
+            <a:endParaRPr lang="en-US" sz="1400" spc="-30" dirty="0" smtClean="0">
+              <a:solidFill>
+                <a:srgbClr val="3333B2"/>
+              </a:solidFill>
+              <a:latin typeface="Lucida Sans Unicode"/>
+              <a:cs typeface="Lucida Sans Unicode"/>
+            </a:endParaRPr>
+          </a:p>
+          <a:p>
+            <a:pPr marL="273685" indent="-171450" algn="just">
+              <a:lnSpc>
+                <a:spcPct val="100000"/>
+              </a:lnSpc>
+              <a:spcBef>
+                <a:spcPts val="90"/>
+              </a:spcBef>
+              <a:buFont typeface="Wingdings" panose="05000000000000000000" pitchFamily="2" charset="2"/>
+              <a:buChar char="Ø"/>
+            </a:pPr>
+            <a:r>
+              <a:rPr lang="en-US" sz="1400" spc="-30" dirty="0" smtClean="0">
+                <a:solidFill>
+                  <a:srgbClr val="3333B2"/>
+                </a:solidFill>
+                <a:latin typeface="Lucida Sans Unicode"/>
+                <a:cs typeface="Lucida Sans Unicode"/>
+                <a:sym typeface="Wingdings" panose="05000000000000000000" pitchFamily="2" charset="2"/>
+              </a:rPr>
+              <a:t>Cross entropy for Binary classification</a:t>
+            </a:r>
           </a:p>
           <a:p>
             <a:pPr marL="273685" indent="-171450" algn="just">
@@ -4048,7 +5115,7 @@
       </p:sp>
       <p:pic>
         <p:nvPicPr>
-          <p:cNvPr id="4" name="Picture 3"/>
+          <p:cNvPr id="3" name="Picture 2"/>
           <p:cNvPicPr>
             <a:picLocks noChangeAspect="1"/>
           </p:cNvPicPr>
@@ -4062,8 +5129,8 @@
         </p:blipFill>
         <p:spPr>
           <a:xfrm>
-            <a:off x="11493" y="2791288"/>
-            <a:ext cx="1828800" cy="684576"/>
+            <a:off x="400050" y="702523"/>
+            <a:ext cx="3333750" cy="1822840"/>
           </a:xfrm>
           <a:prstGeom prst="rect">
             <a:avLst/>
@@ -4072,7 +5139,7 @@
       </p:pic>
       <p:pic>
         <p:nvPicPr>
-          <p:cNvPr id="5" name="Picture 4"/>
+          <p:cNvPr id="6" name="Picture 5"/>
           <p:cNvPicPr>
             <a:picLocks noChangeAspect="1"/>
           </p:cNvPicPr>
@@ -4086,14 +5153,44 @@
         </p:blipFill>
         <p:spPr>
           <a:xfrm>
-            <a:off x="1314450" y="511175"/>
-            <a:ext cx="2912674" cy="2133600"/>
+            <a:off x="2838450" y="2253900"/>
+            <a:ext cx="1114425" cy="467075"/>
           </a:xfrm>
           <a:prstGeom prst="rect">
             <a:avLst/>
           </a:prstGeom>
         </p:spPr>
       </p:pic>
+      <p:sp>
+        <p:nvSpPr>
+          <p:cNvPr id="7" name="TextBox 6"/>
+          <p:cNvSpPr txBox="1"/>
+          <p:nvPr/>
+        </p:nvSpPr>
+        <p:spPr>
+          <a:xfrm>
+            <a:off x="3829050" y="1501775"/>
+            <a:ext cx="609600" cy="369332"/>
+          </a:xfrm>
+          <a:prstGeom prst="rect">
+            <a:avLst/>
+          </a:prstGeom>
+          <a:noFill/>
+        </p:spPr>
+        <p:txBody>
+          <a:bodyPr wrap="square" rtlCol="0">
+            <a:spAutoFit/>
+          </a:bodyPr>
+          <a:lstStyle/>
+          <a:p>
+            <a:r>
+              <a:rPr lang="en-US" dirty="0" smtClean="0"/>
+              <a:t>=z</a:t>
+            </a:r>
+            <a:endParaRPr lang="en-US" dirty="0"/>
+          </a:p>
+        </p:txBody>
+      </p:sp>
     </p:spTree>
     <p:extLst>
       <p:ext uri="{BB962C8B-B14F-4D97-AF65-F5344CB8AC3E}">
@@ -4179,262 +5276,9 @@
           </a:p>
         </p:txBody>
       </p:sp>
-      <p:sp>
-        <p:nvSpPr>
-          <p:cNvPr id="3" name="object 3"/>
-          <p:cNvSpPr txBox="1">
-            <a:spLocks noGrp="1"/>
-          </p:cNvSpPr>
-          <p:nvPr>
-            <p:ph type="body" idx="1"/>
-          </p:nvPr>
-        </p:nvSpPr>
-        <p:spPr>
-          <a:xfrm>
-            <a:off x="95250" y="511175"/>
-            <a:ext cx="4343400" cy="2650726"/>
-          </a:xfrm>
-          <a:prstGeom prst="rect">
-            <a:avLst/>
-          </a:prstGeom>
-        </p:spPr>
-        <p:txBody>
-          <a:bodyPr vert="horz" wrap="square" lIns="0" tIns="11430" rIns="0" bIns="0" rtlCol="0">
-            <a:spAutoFit/>
-          </a:bodyPr>
-          <a:lstStyle/>
-          <a:p>
-            <a:pPr marL="387985" indent="-285750" algn="just">
-              <a:lnSpc>
-                <a:spcPct val="100000"/>
-              </a:lnSpc>
-              <a:spcBef>
-                <a:spcPts val="90"/>
-              </a:spcBef>
-              <a:buFont typeface="Wingdings" panose="05000000000000000000" pitchFamily="2" charset="2"/>
-              <a:buChar char="Ø"/>
-            </a:pPr>
-            <a:r>
-              <a:rPr lang="en-US" sz="1400" spc="-30" dirty="0" smtClean="0">
-                <a:solidFill>
-                  <a:srgbClr val="3333B2"/>
-                </a:solidFill>
-                <a:latin typeface="Lucida Sans Unicode"/>
-                <a:cs typeface="Lucida Sans Unicode"/>
-              </a:rPr>
-              <a:t>Smooth gradient, preventing jump</a:t>
-            </a:r>
-          </a:p>
-          <a:p>
-            <a:pPr marL="273685" indent="-171450" algn="just">
-              <a:lnSpc>
-                <a:spcPct val="100000"/>
-              </a:lnSpc>
-              <a:spcBef>
-                <a:spcPts val="90"/>
-              </a:spcBef>
-              <a:buFont typeface="Wingdings" panose="05000000000000000000" pitchFamily="2" charset="2"/>
-              <a:buChar char="Ø"/>
-            </a:pPr>
-            <a:r>
-              <a:rPr lang="en-US" sz="1400" spc="-30" dirty="0" smtClean="0">
-                <a:solidFill>
-                  <a:srgbClr val="3333B2"/>
-                </a:solidFill>
-                <a:latin typeface="Lucida Sans Unicode"/>
-                <a:cs typeface="Lucida Sans Unicode"/>
-              </a:rPr>
-              <a:t>Range(0, +1), Normalizing the value of each Neuron. </a:t>
-            </a:r>
-          </a:p>
-          <a:p>
-            <a:pPr marL="273685" indent="-171450" algn="just">
-              <a:lnSpc>
-                <a:spcPct val="100000"/>
-              </a:lnSpc>
-              <a:spcBef>
-                <a:spcPts val="90"/>
-              </a:spcBef>
-              <a:buFont typeface="Wingdings" panose="05000000000000000000" pitchFamily="2" charset="2"/>
-              <a:buChar char="Ø"/>
-            </a:pPr>
-            <a:r>
-              <a:rPr lang="en-US" sz="1400" spc="-30" dirty="0" smtClean="0">
-                <a:solidFill>
-                  <a:srgbClr val="3333B2"/>
-                </a:solidFill>
-                <a:latin typeface="Lucida Sans Unicode"/>
-                <a:cs typeface="Lucida Sans Unicode"/>
-              </a:rPr>
-              <a:t>Clear prediction (0,1)</a:t>
-            </a:r>
-          </a:p>
-          <a:p>
-            <a:pPr marL="273685" indent="-171450" algn="just">
-              <a:lnSpc>
-                <a:spcPct val="100000"/>
-              </a:lnSpc>
-              <a:spcBef>
-                <a:spcPts val="90"/>
-              </a:spcBef>
-              <a:buFont typeface="Wingdings" panose="05000000000000000000" pitchFamily="2" charset="2"/>
-              <a:buChar char="Ø"/>
-            </a:pPr>
-            <a:r>
-              <a:rPr lang="en-US" sz="1400" spc="-30" dirty="0" smtClean="0">
-                <a:solidFill>
-                  <a:srgbClr val="3333B2"/>
-                </a:solidFill>
-                <a:latin typeface="Lucida Sans Unicode"/>
-                <a:cs typeface="Lucida Sans Unicode"/>
-              </a:rPr>
-              <a:t>Gradient vanishing problem </a:t>
-            </a:r>
-            <a:r>
-              <a:rPr lang="en-US" sz="1400" spc="-30" dirty="0" smtClean="0">
-                <a:solidFill>
-                  <a:srgbClr val="3333B2"/>
-                </a:solidFill>
-                <a:latin typeface="Lucida Sans Unicode"/>
-                <a:cs typeface="Lucida Sans Unicode"/>
-                <a:sym typeface="Wingdings" panose="05000000000000000000" pitchFamily="2" charset="2"/>
-              </a:rPr>
-              <a:t> 0 for higher value of z</a:t>
-            </a:r>
-          </a:p>
-          <a:p>
-            <a:pPr marL="273685" indent="-171450" algn="just">
-              <a:lnSpc>
-                <a:spcPct val="100000"/>
-              </a:lnSpc>
-              <a:spcBef>
-                <a:spcPts val="90"/>
-              </a:spcBef>
-              <a:buFont typeface="Wingdings" panose="05000000000000000000" pitchFamily="2" charset="2"/>
-              <a:buChar char="Ø"/>
-            </a:pPr>
-            <a:r>
-              <a:rPr lang="en-US" sz="1400" spc="-30" dirty="0" smtClean="0">
-                <a:solidFill>
-                  <a:srgbClr val="3333B2"/>
-                </a:solidFill>
-                <a:latin typeface="Lucida Sans Unicode"/>
-                <a:cs typeface="Lucida Sans Unicode"/>
-                <a:sym typeface="Wingdings" panose="05000000000000000000" pitchFamily="2" charset="2"/>
-              </a:rPr>
-              <a:t>Power operation is relatively time consuming</a:t>
-            </a:r>
-          </a:p>
-          <a:p>
-            <a:pPr marL="273685" indent="-171450" algn="just">
-              <a:lnSpc>
-                <a:spcPct val="100000"/>
-              </a:lnSpc>
-              <a:spcBef>
-                <a:spcPts val="90"/>
-              </a:spcBef>
-              <a:buFont typeface="Wingdings" panose="05000000000000000000" pitchFamily="2" charset="2"/>
-              <a:buChar char="Ø"/>
-            </a:pPr>
-            <a:r>
-              <a:rPr lang="en-US" sz="1400" spc="-30" dirty="0" smtClean="0">
-                <a:solidFill>
-                  <a:srgbClr val="3333B2"/>
-                </a:solidFill>
-                <a:latin typeface="Lucida Sans Unicode"/>
-                <a:cs typeface="Lucida Sans Unicode"/>
-                <a:sym typeface="Wingdings" panose="05000000000000000000" pitchFamily="2" charset="2"/>
-              </a:rPr>
-              <a:t>Mean round 0 , Less optimal in NN</a:t>
-            </a:r>
-          </a:p>
-          <a:p>
-            <a:pPr marL="273685" indent="-171450" algn="just">
-              <a:lnSpc>
-                <a:spcPct val="100000"/>
-              </a:lnSpc>
-              <a:spcBef>
-                <a:spcPts val="90"/>
-              </a:spcBef>
-              <a:buFont typeface="Wingdings" panose="05000000000000000000" pitchFamily="2" charset="2"/>
-              <a:buChar char="Ø"/>
-            </a:pPr>
-            <a:r>
-              <a:rPr lang="en-US" sz="1400" spc="-30" dirty="0" smtClean="0">
-                <a:solidFill>
-                  <a:srgbClr val="3333B2"/>
-                </a:solidFill>
-                <a:latin typeface="Lucida Sans Unicode"/>
-                <a:cs typeface="Lucida Sans Unicode"/>
-                <a:sym typeface="Wingdings" panose="05000000000000000000" pitchFamily="2" charset="2"/>
-              </a:rPr>
-              <a:t>Very less used in NN</a:t>
-            </a:r>
-          </a:p>
-          <a:p>
-            <a:pPr marL="273685" indent="-171450" algn="just">
-              <a:lnSpc>
-                <a:spcPct val="100000"/>
-              </a:lnSpc>
-              <a:spcBef>
-                <a:spcPts val="90"/>
-              </a:spcBef>
-              <a:buFont typeface="Wingdings" panose="05000000000000000000" pitchFamily="2" charset="2"/>
-              <a:buChar char="Ø"/>
-            </a:pPr>
-            <a:r>
-              <a:rPr lang="en-US" sz="1400" b="1" spc="-30" dirty="0" smtClean="0">
-                <a:solidFill>
-                  <a:srgbClr val="3333B2"/>
-                </a:solidFill>
-                <a:latin typeface="Lucida Sans Unicode"/>
-                <a:cs typeface="Lucida Sans Unicode"/>
-                <a:sym typeface="Wingdings" panose="05000000000000000000" pitchFamily="2" charset="2"/>
-              </a:rPr>
-              <a:t>Derivative: </a:t>
-            </a:r>
-          </a:p>
-          <a:p>
-            <a:pPr marL="102235" algn="just">
-              <a:lnSpc>
-                <a:spcPct val="100000"/>
-              </a:lnSpc>
-              <a:spcBef>
-                <a:spcPts val="90"/>
-              </a:spcBef>
-            </a:pPr>
-            <a:endParaRPr lang="en-US" sz="1200" spc="-30" dirty="0" smtClean="0">
-              <a:solidFill>
-                <a:srgbClr val="3333B2"/>
-              </a:solidFill>
-              <a:latin typeface="Lucida Sans Unicode"/>
-              <a:cs typeface="Lucida Sans Unicode"/>
-              <a:sym typeface="Wingdings" panose="05000000000000000000" pitchFamily="2" charset="2"/>
-            </a:endParaRPr>
-          </a:p>
-          <a:p>
-            <a:pPr marL="102235" algn="just">
-              <a:lnSpc>
-                <a:spcPct val="100000"/>
-              </a:lnSpc>
-              <a:spcBef>
-                <a:spcPts val="90"/>
-              </a:spcBef>
-            </a:pPr>
-            <a:endParaRPr lang="en-US" sz="1200" spc="-30" dirty="0" smtClean="0">
-              <a:solidFill>
-                <a:srgbClr val="3333B2"/>
-              </a:solidFill>
-              <a:latin typeface="Lucida Sans Unicode"/>
-              <a:cs typeface="Lucida Sans Unicode"/>
-              <a:sym typeface="Wingdings" panose="05000000000000000000" pitchFamily="2" charset="2"/>
-            </a:endParaRPr>
-          </a:p>
-        </p:txBody>
-      </p:sp>
       <p:pic>
         <p:nvPicPr>
-          <p:cNvPr id="4" name="Picture 3"/>
+          <p:cNvPr id="5" name="Picture 4"/>
           <p:cNvPicPr>
             <a:picLocks noChangeAspect="1"/>
           </p:cNvPicPr>
@@ -4448,8 +5292,8 @@
         </p:blipFill>
         <p:spPr>
           <a:xfrm>
-            <a:off x="11493" y="2791288"/>
-            <a:ext cx="1828800" cy="684576"/>
+            <a:off x="1924050" y="511175"/>
+            <a:ext cx="2303074" cy="2667000"/>
           </a:xfrm>
           <a:prstGeom prst="rect">
             <a:avLst/>
@@ -4458,7 +5302,7 @@
       </p:pic>
       <p:pic>
         <p:nvPicPr>
-          <p:cNvPr id="5" name="Picture 4"/>
+          <p:cNvPr id="3" name="Picture 2"/>
           <p:cNvPicPr>
             <a:picLocks noChangeAspect="1"/>
           </p:cNvPicPr>
@@ -4472,8 +5316,8 @@
         </p:blipFill>
         <p:spPr>
           <a:xfrm>
-            <a:off x="2955545" y="2320545"/>
-            <a:ext cx="1566862" cy="1147762"/>
+            <a:off x="-9919" y="815975"/>
+            <a:ext cx="1905000" cy="1905000"/>
           </a:xfrm>
           <a:prstGeom prst="rect">
             <a:avLst/>
@@ -4483,7 +5327,7 @@
     </p:spTree>
     <p:extLst>
       <p:ext uri="{BB962C8B-B14F-4D97-AF65-F5344CB8AC3E}">
-        <p14:creationId xmlns:p14="http://schemas.microsoft.com/office/powerpoint/2010/main" val="4032864547"/>
+        <p14:creationId xmlns:p14="http://schemas.microsoft.com/office/powerpoint/2010/main" val="4118059643"/>
       </p:ext>
     </p:extLst>
   </p:cSld>
@@ -4532,8 +5376,8 @@
         </p:nvSpPr>
         <p:spPr>
           <a:xfrm>
-            <a:off x="704850" y="79679"/>
-            <a:ext cx="3124200" cy="294311"/>
+            <a:off x="1085850" y="79679"/>
+            <a:ext cx="2743200" cy="294311"/>
           </a:xfrm>
           <a:prstGeom prst="rect">
             <a:avLst/>
@@ -4555,47 +5399,338 @@
             </a:pPr>
             <a:r>
               <a:rPr lang="en-US" sz="1800" dirty="0" smtClean="0"/>
-              <a:t>Hyperbolic Tangent(</a:t>
-            </a:r>
-            <a:r>
-              <a:rPr lang="en-US" sz="1800" dirty="0" err="1" smtClean="0"/>
-              <a:t>tanh</a:t>
-            </a:r>
-            <a:r>
-              <a:rPr lang="en-US" sz="1800" dirty="0" smtClean="0"/>
+              <a:t>Sigmoid </a:t>
+            </a:r>
+            <a:r>
+              <a:rPr lang="el-GR" sz="1800" dirty="0"/>
+              <a:t> σ</a:t>
+            </a:r>
+            <a:endParaRPr sz="1800" spc="-80" dirty="0"/>
+          </a:p>
+        </p:txBody>
+      </p:sp>
+      <p:sp>
+        <p:nvSpPr>
+          <p:cNvPr id="3" name="object 3"/>
+          <p:cNvSpPr txBox="1">
+            <a:spLocks noGrp="1"/>
+          </p:cNvSpPr>
+          <p:nvPr>
+            <p:ph type="body" idx="1"/>
+          </p:nvPr>
+        </p:nvSpPr>
+        <p:spPr>
+          <a:xfrm>
+            <a:off x="95250" y="511175"/>
+            <a:ext cx="4343400" cy="2878993"/>
+          </a:xfrm>
+          <a:prstGeom prst="rect">
+            <a:avLst/>
+          </a:prstGeom>
+        </p:spPr>
+        <p:txBody>
+          <a:bodyPr vert="horz" wrap="square" lIns="0" tIns="11430" rIns="0" bIns="0" rtlCol="0">
+            <a:spAutoFit/>
+          </a:bodyPr>
+          <a:lstStyle/>
+          <a:p>
+            <a:pPr marL="387985" indent="-285750" algn="just">
+              <a:lnSpc>
+                <a:spcPct val="100000"/>
+              </a:lnSpc>
+              <a:spcBef>
+                <a:spcPts val="90"/>
+              </a:spcBef>
+              <a:buFont typeface="Wingdings" panose="05000000000000000000" pitchFamily="2" charset="2"/>
+              <a:buChar char="Ø"/>
+            </a:pPr>
+            <a:r>
+              <a:rPr lang="en-US" sz="1400" spc="-30" dirty="0" smtClean="0">
+                <a:solidFill>
+                  <a:srgbClr val="3333B2"/>
+                </a:solidFill>
+                <a:latin typeface="Lucida Sans Unicode"/>
+                <a:cs typeface="Lucida Sans Unicode"/>
+              </a:rPr>
+              <a:t>Smooth </a:t>
+            </a:r>
+            <a:r>
+              <a:rPr lang="en-US" sz="1400" spc="-30" dirty="0" smtClean="0">
+                <a:solidFill>
+                  <a:srgbClr val="3333B2"/>
+                </a:solidFill>
+                <a:latin typeface="Lucida Sans Unicode"/>
+                <a:cs typeface="Lucida Sans Unicode"/>
+              </a:rPr>
+              <a:t>gradient, preventing jump</a:t>
+            </a:r>
+          </a:p>
+          <a:p>
+            <a:pPr marL="273685" indent="-171450" algn="just">
+              <a:lnSpc>
+                <a:spcPct val="100000"/>
+              </a:lnSpc>
+              <a:spcBef>
+                <a:spcPts val="90"/>
+              </a:spcBef>
+              <a:buFont typeface="Wingdings" panose="05000000000000000000" pitchFamily="2" charset="2"/>
+              <a:buChar char="Ø"/>
+            </a:pPr>
+            <a:r>
+              <a:rPr lang="en-US" sz="1400" spc="-30" dirty="0" smtClean="0">
+                <a:solidFill>
+                  <a:srgbClr val="3333B2"/>
+                </a:solidFill>
+                <a:latin typeface="Lucida Sans Unicode"/>
+                <a:cs typeface="Lucida Sans Unicode"/>
+              </a:rPr>
+              <a:t>Range(0, +1), Normalizing the value of each Neuron. </a:t>
+            </a:r>
+          </a:p>
+          <a:p>
+            <a:pPr marL="273685" indent="-171450" algn="just">
+              <a:lnSpc>
+                <a:spcPct val="100000"/>
+              </a:lnSpc>
+              <a:spcBef>
+                <a:spcPts val="90"/>
+              </a:spcBef>
+              <a:buFont typeface="Wingdings" panose="05000000000000000000" pitchFamily="2" charset="2"/>
+              <a:buChar char="Ø"/>
+            </a:pPr>
+            <a:r>
+              <a:rPr lang="en-US" sz="1400" spc="-30" dirty="0" smtClean="0">
+                <a:solidFill>
+                  <a:srgbClr val="3333B2"/>
+                </a:solidFill>
+                <a:latin typeface="Lucida Sans Unicode"/>
+                <a:cs typeface="Lucida Sans Unicode"/>
+              </a:rPr>
+              <a:t>Clear prediction (0,1</a:t>
+            </a:r>
+            <a:r>
+              <a:rPr lang="en-US" sz="1400" spc="-30" dirty="0" smtClean="0">
+                <a:solidFill>
+                  <a:srgbClr val="3333B2"/>
+                </a:solidFill>
+                <a:latin typeface="Lucida Sans Unicode"/>
+                <a:cs typeface="Lucida Sans Unicode"/>
+              </a:rPr>
               <a:t>)</a:t>
             </a:r>
-            <a:endParaRPr sz="1800" spc="-80" dirty="0"/>
+          </a:p>
+          <a:p>
+            <a:pPr marL="273685" indent="-171450" algn="just">
+              <a:spcBef>
+                <a:spcPts val="90"/>
+              </a:spcBef>
+              <a:buFont typeface="Wingdings" panose="05000000000000000000" pitchFamily="2" charset="2"/>
+              <a:buChar char="Ø"/>
+            </a:pPr>
+            <a:r>
+              <a:rPr lang="en-US" sz="1400" spc="-30" dirty="0">
+                <a:solidFill>
+                  <a:srgbClr val="3333B2"/>
+                </a:solidFill>
+                <a:latin typeface="Lucida Sans Unicode"/>
+                <a:cs typeface="Lucida Sans Unicode"/>
+              </a:rPr>
+              <a:t>Gradient vanishing problem </a:t>
+            </a:r>
+            <a:r>
+              <a:rPr lang="en-US" sz="1400" spc="-30" dirty="0">
+                <a:solidFill>
+                  <a:srgbClr val="3333B2"/>
+                </a:solidFill>
+                <a:latin typeface="Lucida Sans Unicode"/>
+                <a:cs typeface="Lucida Sans Unicode"/>
+                <a:sym typeface="Wingdings" panose="05000000000000000000" pitchFamily="2" charset="2"/>
+              </a:rPr>
+              <a:t> 0 for higher value of </a:t>
+            </a:r>
+            <a:r>
+              <a:rPr lang="en-US" sz="1400" spc="-30" dirty="0" smtClean="0">
+                <a:solidFill>
+                  <a:srgbClr val="3333B2"/>
+                </a:solidFill>
+                <a:latin typeface="Lucida Sans Unicode"/>
+                <a:cs typeface="Lucida Sans Unicode"/>
+                <a:sym typeface="Wingdings" panose="05000000000000000000" pitchFamily="2" charset="2"/>
+              </a:rPr>
+              <a:t>z</a:t>
+            </a:r>
+          </a:p>
+          <a:p>
+            <a:pPr marL="273685" indent="-171450" algn="just">
+              <a:spcBef>
+                <a:spcPts val="90"/>
+              </a:spcBef>
+              <a:buFont typeface="Wingdings" panose="05000000000000000000" pitchFamily="2" charset="2"/>
+              <a:buChar char="Ø"/>
+            </a:pPr>
+            <a:r>
+              <a:rPr lang="en-US" sz="1400" spc="-30" dirty="0" smtClean="0">
+                <a:solidFill>
+                  <a:srgbClr val="3333B2"/>
+                </a:solidFill>
+                <a:latin typeface="Lucida Sans Unicode"/>
+                <a:cs typeface="Lucida Sans Unicode"/>
+                <a:sym typeface="Wingdings" panose="05000000000000000000" pitchFamily="2" charset="2"/>
+              </a:rPr>
+              <a:t>Data is not zero centric</a:t>
+            </a:r>
+            <a:endParaRPr lang="en-US" sz="1400" spc="-30" dirty="0" smtClean="0">
+              <a:solidFill>
+                <a:srgbClr val="3333B2"/>
+              </a:solidFill>
+              <a:latin typeface="Lucida Sans Unicode"/>
+              <a:cs typeface="Lucida Sans Unicode"/>
+            </a:endParaRPr>
+          </a:p>
+          <a:p>
+            <a:pPr marL="273685" indent="-171450" algn="just">
+              <a:lnSpc>
+                <a:spcPct val="100000"/>
+              </a:lnSpc>
+              <a:spcBef>
+                <a:spcPts val="90"/>
+              </a:spcBef>
+              <a:buFont typeface="Wingdings" panose="05000000000000000000" pitchFamily="2" charset="2"/>
+              <a:buChar char="Ø"/>
+            </a:pPr>
+            <a:r>
+              <a:rPr lang="en-US" sz="1400" spc="-30" dirty="0" smtClean="0">
+                <a:solidFill>
+                  <a:srgbClr val="3333B2"/>
+                </a:solidFill>
+                <a:latin typeface="Lucida Sans Unicode"/>
+                <a:cs typeface="Lucida Sans Unicode"/>
+                <a:sym typeface="Wingdings" panose="05000000000000000000" pitchFamily="2" charset="2"/>
+              </a:rPr>
+              <a:t>Power </a:t>
+            </a:r>
+            <a:r>
+              <a:rPr lang="en-US" sz="1400" spc="-30" dirty="0" smtClean="0">
+                <a:solidFill>
+                  <a:srgbClr val="3333B2"/>
+                </a:solidFill>
+                <a:latin typeface="Lucida Sans Unicode"/>
+                <a:cs typeface="Lucida Sans Unicode"/>
+                <a:sym typeface="Wingdings" panose="05000000000000000000" pitchFamily="2" charset="2"/>
+              </a:rPr>
+              <a:t>operation is relatively time consuming</a:t>
+            </a:r>
+          </a:p>
+          <a:p>
+            <a:pPr marL="273685" indent="-171450" algn="just">
+              <a:lnSpc>
+                <a:spcPct val="100000"/>
+              </a:lnSpc>
+              <a:spcBef>
+                <a:spcPts val="90"/>
+              </a:spcBef>
+              <a:buFont typeface="Wingdings" panose="05000000000000000000" pitchFamily="2" charset="2"/>
+              <a:buChar char="Ø"/>
+            </a:pPr>
+            <a:r>
+              <a:rPr lang="en-US" sz="1400" spc="-30" dirty="0" smtClean="0">
+                <a:solidFill>
+                  <a:srgbClr val="3333B2"/>
+                </a:solidFill>
+                <a:latin typeface="Lucida Sans Unicode"/>
+                <a:cs typeface="Lucida Sans Unicode"/>
+                <a:sym typeface="Wingdings" panose="05000000000000000000" pitchFamily="2" charset="2"/>
+              </a:rPr>
+              <a:t>Mean round 0 , Less optimal in NN</a:t>
+            </a:r>
+          </a:p>
+          <a:p>
+            <a:pPr marL="273685" indent="-171450" algn="just">
+              <a:lnSpc>
+                <a:spcPct val="100000"/>
+              </a:lnSpc>
+              <a:spcBef>
+                <a:spcPts val="90"/>
+              </a:spcBef>
+              <a:buFont typeface="Wingdings" panose="05000000000000000000" pitchFamily="2" charset="2"/>
+              <a:buChar char="Ø"/>
+            </a:pPr>
+            <a:r>
+              <a:rPr lang="en-US" sz="1400" spc="-30" dirty="0" smtClean="0">
+                <a:solidFill>
+                  <a:srgbClr val="3333B2"/>
+                </a:solidFill>
+                <a:latin typeface="Lucida Sans Unicode"/>
+                <a:cs typeface="Lucida Sans Unicode"/>
+                <a:sym typeface="Wingdings" panose="05000000000000000000" pitchFamily="2" charset="2"/>
+              </a:rPr>
+              <a:t>Very less used in NN</a:t>
+            </a:r>
+          </a:p>
+          <a:p>
+            <a:pPr marL="273685" indent="-171450" algn="just">
+              <a:lnSpc>
+                <a:spcPct val="100000"/>
+              </a:lnSpc>
+              <a:spcBef>
+                <a:spcPts val="90"/>
+              </a:spcBef>
+              <a:buFont typeface="Wingdings" panose="05000000000000000000" pitchFamily="2" charset="2"/>
+              <a:buChar char="Ø"/>
+            </a:pPr>
+            <a:r>
+              <a:rPr lang="en-US" sz="1400" b="1" spc="-30" dirty="0" smtClean="0">
+                <a:solidFill>
+                  <a:srgbClr val="3333B2"/>
+                </a:solidFill>
+                <a:latin typeface="Lucida Sans Unicode"/>
+                <a:cs typeface="Lucida Sans Unicode"/>
+                <a:sym typeface="Wingdings" panose="05000000000000000000" pitchFamily="2" charset="2"/>
+              </a:rPr>
+              <a:t>Derivative: </a:t>
+            </a:r>
+          </a:p>
+          <a:p>
+            <a:pPr marL="102235" algn="just">
+              <a:lnSpc>
+                <a:spcPct val="100000"/>
+              </a:lnSpc>
+              <a:spcBef>
+                <a:spcPts val="90"/>
+              </a:spcBef>
+            </a:pPr>
+            <a:endParaRPr lang="en-US" sz="1200" spc="-30" dirty="0" smtClean="0">
+              <a:solidFill>
+                <a:srgbClr val="3333B2"/>
+              </a:solidFill>
+              <a:latin typeface="Lucida Sans Unicode"/>
+              <a:cs typeface="Lucida Sans Unicode"/>
+              <a:sym typeface="Wingdings" panose="05000000000000000000" pitchFamily="2" charset="2"/>
+            </a:endParaRPr>
+          </a:p>
+          <a:p>
+            <a:pPr marL="102235" algn="just">
+              <a:lnSpc>
+                <a:spcPct val="100000"/>
+              </a:lnSpc>
+              <a:spcBef>
+                <a:spcPts val="90"/>
+              </a:spcBef>
+            </a:pPr>
+            <a:endParaRPr lang="en-US" sz="1200" spc="-30" dirty="0" smtClean="0">
+              <a:solidFill>
+                <a:srgbClr val="3333B2"/>
+              </a:solidFill>
+              <a:latin typeface="Lucida Sans Unicode"/>
+              <a:cs typeface="Lucida Sans Unicode"/>
+              <a:sym typeface="Wingdings" panose="05000000000000000000" pitchFamily="2" charset="2"/>
+            </a:endParaRPr>
           </a:p>
         </p:txBody>
       </p:sp>
       <p:pic>
         <p:nvPicPr>
-          <p:cNvPr id="6" name="Picture 5"/>
-          <p:cNvPicPr>
-            <a:picLocks noChangeAspect="1"/>
-          </p:cNvPicPr>
-          <p:nvPr/>
-        </p:nvPicPr>
-        <p:blipFill>
-          <a:blip r:embed="rId2"/>
-          <a:stretch>
-            <a:fillRect/>
-          </a:stretch>
-        </p:blipFill>
-        <p:spPr>
-          <a:xfrm>
-            <a:off x="1695449" y="585194"/>
-            <a:ext cx="2863633" cy="2364381"/>
-          </a:xfrm>
-          <a:prstGeom prst="rect">
-            <a:avLst/>
-          </a:prstGeom>
-        </p:spPr>
-      </p:pic>
-      <p:pic>
-        <p:nvPicPr>
-          <p:cNvPr id="7" name="Picture 6"/>
+          <p:cNvPr id="4" name="Picture 3"/>
           <p:cNvPicPr>
             <a:picLocks noChangeAspect="1"/>
           </p:cNvPicPr>
@@ -4609,8 +5744,8 @@
         </p:blipFill>
         <p:spPr>
           <a:xfrm>
-            <a:off x="57053" y="585194"/>
-            <a:ext cx="1252537" cy="552975"/>
+            <a:off x="11493" y="2791288"/>
+            <a:ext cx="1828800" cy="684576"/>
           </a:xfrm>
           <a:prstGeom prst="rect">
             <a:avLst/>
@@ -4619,7 +5754,7 @@
       </p:pic>
       <p:pic>
         <p:nvPicPr>
-          <p:cNvPr id="8" name="Picture 7"/>
+          <p:cNvPr id="5" name="Picture 4"/>
           <p:cNvPicPr>
             <a:picLocks noChangeAspect="1"/>
           </p:cNvPicPr>
@@ -4633,8 +5768,8 @@
         </p:blipFill>
         <p:spPr>
           <a:xfrm>
-            <a:off x="98969" y="2833160"/>
-            <a:ext cx="2167981" cy="627590"/>
+            <a:off x="2955545" y="2320545"/>
+            <a:ext cx="1566862" cy="1147762"/>
           </a:xfrm>
           <a:prstGeom prst="rect">
             <a:avLst/>
@@ -4644,7 +5779,7 @@
     </p:spTree>
     <p:extLst>
       <p:ext uri="{BB962C8B-B14F-4D97-AF65-F5344CB8AC3E}">
-        <p14:creationId xmlns:p14="http://schemas.microsoft.com/office/powerpoint/2010/main" val="1485726654"/>
+        <p14:creationId xmlns:p14="http://schemas.microsoft.com/office/powerpoint/2010/main" val="4032864547"/>
       </p:ext>
     </p:extLst>
   </p:cSld>
@@ -4730,217 +5865,6 @@
           </a:p>
         </p:txBody>
       </p:sp>
-      <p:sp>
-        <p:nvSpPr>
-          <p:cNvPr id="3" name="object 3"/>
-          <p:cNvSpPr txBox="1">
-            <a:spLocks noGrp="1"/>
-          </p:cNvSpPr>
-          <p:nvPr>
-            <p:ph type="body" idx="1"/>
-          </p:nvPr>
-        </p:nvSpPr>
-        <p:spPr>
-          <a:xfrm>
-            <a:off x="171450" y="971161"/>
-            <a:ext cx="4343400" cy="1991571"/>
-          </a:xfrm>
-          <a:prstGeom prst="rect">
-            <a:avLst/>
-          </a:prstGeom>
-        </p:spPr>
-        <p:txBody>
-          <a:bodyPr vert="horz" wrap="square" lIns="0" tIns="11430" rIns="0" bIns="0" rtlCol="0">
-            <a:spAutoFit/>
-          </a:bodyPr>
-          <a:lstStyle/>
-          <a:p>
-            <a:pPr marL="102235" algn="just">
-              <a:lnSpc>
-                <a:spcPct val="100000"/>
-              </a:lnSpc>
-              <a:spcBef>
-                <a:spcPts val="90"/>
-              </a:spcBef>
-            </a:pPr>
-            <a:endParaRPr lang="en-US" sz="1400" spc="-30" dirty="0" smtClean="0">
-              <a:solidFill>
-                <a:srgbClr val="3333B2"/>
-              </a:solidFill>
-              <a:latin typeface="Lucida Sans Unicode"/>
-              <a:cs typeface="Lucida Sans Unicode"/>
-            </a:endParaRPr>
-          </a:p>
-          <a:p>
-            <a:pPr marL="273685" indent="-171450" algn="just">
-              <a:lnSpc>
-                <a:spcPct val="100000"/>
-              </a:lnSpc>
-              <a:spcBef>
-                <a:spcPts val="90"/>
-              </a:spcBef>
-              <a:buFont typeface="Wingdings" panose="05000000000000000000" pitchFamily="2" charset="2"/>
-              <a:buChar char="Ø"/>
-            </a:pPr>
-            <a:r>
-              <a:rPr lang="en-US" sz="1400" spc="-30" dirty="0" smtClean="0">
-                <a:solidFill>
-                  <a:srgbClr val="3333B2"/>
-                </a:solidFill>
-                <a:latin typeface="Lucida Sans Unicode"/>
-                <a:cs typeface="Lucida Sans Unicode"/>
-              </a:rPr>
-              <a:t>Shifted version of sigmoid</a:t>
-            </a:r>
-          </a:p>
-          <a:p>
-            <a:pPr marL="273685" indent="-171450" algn="just">
-              <a:lnSpc>
-                <a:spcPct val="100000"/>
-              </a:lnSpc>
-              <a:spcBef>
-                <a:spcPts val="90"/>
-              </a:spcBef>
-              <a:buFont typeface="Wingdings" panose="05000000000000000000" pitchFamily="2" charset="2"/>
-              <a:buChar char="Ø"/>
-            </a:pPr>
-            <a:r>
-              <a:rPr lang="en-US" sz="1400" spc="-30" dirty="0" smtClean="0">
-                <a:solidFill>
-                  <a:srgbClr val="3333B2"/>
-                </a:solidFill>
-                <a:latin typeface="Lucida Sans Unicode"/>
-                <a:cs typeface="Lucida Sans Unicode"/>
-              </a:rPr>
-              <a:t>Range(-1, +1)</a:t>
-            </a:r>
-          </a:p>
-          <a:p>
-            <a:pPr marL="273685" indent="-171450" algn="just">
-              <a:lnSpc>
-                <a:spcPct val="100000"/>
-              </a:lnSpc>
-              <a:spcBef>
-                <a:spcPts val="90"/>
-              </a:spcBef>
-              <a:buFont typeface="Wingdings" panose="05000000000000000000" pitchFamily="2" charset="2"/>
-              <a:buChar char="Ø"/>
-            </a:pPr>
-            <a:r>
-              <a:rPr lang="en-US" sz="1400" spc="-30" dirty="0" smtClean="0">
-                <a:solidFill>
-                  <a:srgbClr val="3333B2"/>
-                </a:solidFill>
-                <a:latin typeface="Lucida Sans Unicode"/>
-                <a:cs typeface="Lucida Sans Unicode"/>
-              </a:rPr>
-              <a:t>0 centric</a:t>
-            </a:r>
-          </a:p>
-          <a:p>
-            <a:pPr marL="273685" indent="-171450" algn="just">
-              <a:lnSpc>
-                <a:spcPct val="100000"/>
-              </a:lnSpc>
-              <a:spcBef>
-                <a:spcPts val="90"/>
-              </a:spcBef>
-              <a:buFont typeface="Wingdings" panose="05000000000000000000" pitchFamily="2" charset="2"/>
-              <a:buChar char="Ø"/>
-            </a:pPr>
-            <a:r>
-              <a:rPr lang="en-US" sz="1400" spc="-30" dirty="0" smtClean="0">
-                <a:solidFill>
-                  <a:srgbClr val="3333B2"/>
-                </a:solidFill>
-                <a:latin typeface="Lucida Sans Unicode"/>
-                <a:cs typeface="Lucida Sans Unicode"/>
-                <a:sym typeface="Wingdings" panose="05000000000000000000" pitchFamily="2" charset="2"/>
-              </a:rPr>
-              <a:t>Same Vanishing Gradient Problem0</a:t>
-            </a:r>
-          </a:p>
-          <a:p>
-            <a:pPr marL="273685" indent="-171450" algn="just">
-              <a:lnSpc>
-                <a:spcPct val="100000"/>
-              </a:lnSpc>
-              <a:spcBef>
-                <a:spcPts val="90"/>
-              </a:spcBef>
-              <a:buFont typeface="Wingdings" panose="05000000000000000000" pitchFamily="2" charset="2"/>
-              <a:buChar char="Ø"/>
-            </a:pPr>
-            <a:endParaRPr lang="en-US" sz="1400" spc="-30" dirty="0" smtClean="0">
-              <a:solidFill>
-                <a:srgbClr val="3333B2"/>
-              </a:solidFill>
-              <a:latin typeface="Lucida Sans Unicode"/>
-              <a:cs typeface="Lucida Sans Unicode"/>
-              <a:sym typeface="Wingdings" panose="05000000000000000000" pitchFamily="2" charset="2"/>
-            </a:endParaRPr>
-          </a:p>
-          <a:p>
-            <a:pPr marL="273685" indent="-171450" algn="just">
-              <a:lnSpc>
-                <a:spcPct val="100000"/>
-              </a:lnSpc>
-              <a:spcBef>
-                <a:spcPts val="90"/>
-              </a:spcBef>
-              <a:buFont typeface="Wingdings" panose="05000000000000000000" pitchFamily="2" charset="2"/>
-              <a:buChar char="Ø"/>
-            </a:pPr>
-            <a:r>
-              <a:rPr lang="en-US" sz="1400" b="1" spc="-30" dirty="0" smtClean="0">
-                <a:solidFill>
-                  <a:srgbClr val="3333B2"/>
-                </a:solidFill>
-                <a:latin typeface="Lucida Sans Unicode"/>
-                <a:cs typeface="Lucida Sans Unicode"/>
-                <a:sym typeface="Wingdings" panose="05000000000000000000" pitchFamily="2" charset="2"/>
-              </a:rPr>
-              <a:t>Derivative: </a:t>
-            </a:r>
-          </a:p>
-          <a:p>
-            <a:pPr marL="102235" algn="just">
-              <a:lnSpc>
-                <a:spcPct val="100000"/>
-              </a:lnSpc>
-              <a:spcBef>
-                <a:spcPts val="90"/>
-              </a:spcBef>
-            </a:pPr>
-            <a:endParaRPr lang="en-US" sz="1200" spc="-30" dirty="0" smtClean="0">
-              <a:solidFill>
-                <a:srgbClr val="3333B2"/>
-              </a:solidFill>
-              <a:latin typeface="Lucida Sans Unicode"/>
-              <a:cs typeface="Lucida Sans Unicode"/>
-              <a:sym typeface="Wingdings" panose="05000000000000000000" pitchFamily="2" charset="2"/>
-            </a:endParaRPr>
-          </a:p>
-          <a:p>
-            <a:pPr marL="102235" algn="just">
-              <a:lnSpc>
-                <a:spcPct val="100000"/>
-              </a:lnSpc>
-              <a:spcBef>
-                <a:spcPts val="90"/>
-              </a:spcBef>
-            </a:pPr>
-            <a:endParaRPr lang="en-US" sz="1200" spc="-30" dirty="0" smtClean="0">
-              <a:solidFill>
-                <a:srgbClr val="3333B2"/>
-              </a:solidFill>
-              <a:latin typeface="Lucida Sans Unicode"/>
-              <a:cs typeface="Lucida Sans Unicode"/>
-              <a:sym typeface="Wingdings" panose="05000000000000000000" pitchFamily="2" charset="2"/>
-            </a:endParaRPr>
-          </a:p>
-        </p:txBody>
-      </p:sp>
       <p:pic>
         <p:nvPicPr>
           <p:cNvPr id="6" name="Picture 5"/>
@@ -4957,8 +5881,8 @@
         </p:blipFill>
         <p:spPr>
           <a:xfrm>
-            <a:off x="3219450" y="373989"/>
-            <a:ext cx="1357312" cy="975385"/>
+            <a:off x="1695449" y="585194"/>
+            <a:ext cx="2863633" cy="2364381"/>
           </a:xfrm>
           <a:prstGeom prst="rect">
             <a:avLst/>
@@ -4981,7 +5905,7 @@
         </p:blipFill>
         <p:spPr>
           <a:xfrm>
-            <a:off x="2000250" y="339200"/>
+            <a:off x="57053" y="585194"/>
             <a:ext cx="1252537" cy="552975"/>
           </a:xfrm>
           <a:prstGeom prst="rect">
@@ -5005,7 +5929,7 @@
         </p:blipFill>
         <p:spPr>
           <a:xfrm>
-            <a:off x="2442119" y="2339975"/>
+            <a:off x="98969" y="2833160"/>
             <a:ext cx="2167981" cy="627590"/>
           </a:xfrm>
           <a:prstGeom prst="rect">
@@ -5016,7 +5940,7 @@
     </p:spTree>
     <p:extLst>
       <p:ext uri="{BB962C8B-B14F-4D97-AF65-F5344CB8AC3E}">
-        <p14:creationId xmlns:p14="http://schemas.microsoft.com/office/powerpoint/2010/main" val="1722757480"/>
+        <p14:creationId xmlns:p14="http://schemas.microsoft.com/office/powerpoint/2010/main" val="1485726654"/>
       </p:ext>
     </p:extLst>
   </p:cSld>
@@ -5088,19 +6012,261 @@
             </a:pPr>
             <a:r>
               <a:rPr lang="en-US" sz="1800" dirty="0" smtClean="0"/>
-              <a:t>Rectified Linear Unit(</a:t>
+              <a:t>Hyperbolic Tangent(</a:t>
             </a:r>
             <a:r>
               <a:rPr lang="en-US" sz="1800" dirty="0" err="1" smtClean="0"/>
-              <a:t>ReLU</a:t>
+              <a:t>tanh</a:t>
+            </a:r>
+            <a:r>
+              <a:rPr lang="en-US" sz="1800" dirty="0" smtClean="0"/>
+              <a:t>)</a:t>
             </a:r>
             <a:endParaRPr sz="1800" spc="-80" dirty="0"/>
+          </a:p>
+        </p:txBody>
+      </p:sp>
+      <p:sp>
+        <p:nvSpPr>
+          <p:cNvPr id="3" name="object 3"/>
+          <p:cNvSpPr txBox="1">
+            <a:spLocks noGrp="1"/>
+          </p:cNvSpPr>
+          <p:nvPr>
+            <p:ph type="body" idx="1"/>
+          </p:nvPr>
+        </p:nvSpPr>
+        <p:spPr>
+          <a:xfrm>
+            <a:off x="171450" y="971161"/>
+            <a:ext cx="4343400" cy="1991571"/>
+          </a:xfrm>
+          <a:prstGeom prst="rect">
+            <a:avLst/>
+          </a:prstGeom>
+        </p:spPr>
+        <p:txBody>
+          <a:bodyPr vert="horz" wrap="square" lIns="0" tIns="11430" rIns="0" bIns="0" rtlCol="0">
+            <a:spAutoFit/>
+          </a:bodyPr>
+          <a:lstStyle/>
+          <a:p>
+            <a:pPr marL="102235" algn="just">
+              <a:lnSpc>
+                <a:spcPct val="100000"/>
+              </a:lnSpc>
+              <a:spcBef>
+                <a:spcPts val="90"/>
+              </a:spcBef>
+            </a:pPr>
+            <a:endParaRPr lang="en-US" sz="1400" spc="-30" dirty="0" smtClean="0">
+              <a:solidFill>
+                <a:srgbClr val="3333B2"/>
+              </a:solidFill>
+              <a:latin typeface="Lucida Sans Unicode"/>
+              <a:cs typeface="Lucida Sans Unicode"/>
+            </a:endParaRPr>
+          </a:p>
+          <a:p>
+            <a:pPr marL="273685" indent="-171450" algn="just">
+              <a:lnSpc>
+                <a:spcPct val="100000"/>
+              </a:lnSpc>
+              <a:spcBef>
+                <a:spcPts val="90"/>
+              </a:spcBef>
+              <a:buFont typeface="Wingdings" panose="05000000000000000000" pitchFamily="2" charset="2"/>
+              <a:buChar char="Ø"/>
+            </a:pPr>
+            <a:r>
+              <a:rPr lang="en-US" sz="1400" spc="-30" dirty="0" smtClean="0">
+                <a:solidFill>
+                  <a:srgbClr val="3333B2"/>
+                </a:solidFill>
+                <a:latin typeface="Lucida Sans Unicode"/>
+                <a:cs typeface="Lucida Sans Unicode"/>
+              </a:rPr>
+              <a:t>Shifted version of sigmoid</a:t>
+            </a:r>
+          </a:p>
+          <a:p>
+            <a:pPr marL="273685" indent="-171450" algn="just">
+              <a:lnSpc>
+                <a:spcPct val="100000"/>
+              </a:lnSpc>
+              <a:spcBef>
+                <a:spcPts val="90"/>
+              </a:spcBef>
+              <a:buFont typeface="Wingdings" panose="05000000000000000000" pitchFamily="2" charset="2"/>
+              <a:buChar char="Ø"/>
+            </a:pPr>
+            <a:r>
+              <a:rPr lang="en-US" sz="1400" spc="-30" dirty="0" smtClean="0">
+                <a:solidFill>
+                  <a:srgbClr val="3333B2"/>
+                </a:solidFill>
+                <a:latin typeface="Lucida Sans Unicode"/>
+                <a:cs typeface="Lucida Sans Unicode"/>
+              </a:rPr>
+              <a:t>Range(-1, +1)</a:t>
+            </a:r>
+          </a:p>
+          <a:p>
+            <a:pPr marL="273685" indent="-171450" algn="just">
+              <a:lnSpc>
+                <a:spcPct val="100000"/>
+              </a:lnSpc>
+              <a:spcBef>
+                <a:spcPts val="90"/>
+              </a:spcBef>
+              <a:buFont typeface="Wingdings" panose="05000000000000000000" pitchFamily="2" charset="2"/>
+              <a:buChar char="Ø"/>
+            </a:pPr>
+            <a:r>
+              <a:rPr lang="en-US" sz="1400" spc="-30" dirty="0" smtClean="0">
+                <a:solidFill>
+                  <a:srgbClr val="3333B2"/>
+                </a:solidFill>
+                <a:latin typeface="Lucida Sans Unicode"/>
+                <a:cs typeface="Lucida Sans Unicode"/>
+              </a:rPr>
+              <a:t>0 </a:t>
+            </a:r>
+            <a:r>
+              <a:rPr lang="en-US" sz="1400" spc="-30" dirty="0" smtClean="0">
+                <a:solidFill>
+                  <a:srgbClr val="3333B2"/>
+                </a:solidFill>
+                <a:latin typeface="Lucida Sans Unicode"/>
+                <a:cs typeface="Lucida Sans Unicode"/>
+              </a:rPr>
+              <a:t>centric, bette</a:t>
+            </a:r>
+            <a:r>
+              <a:rPr lang="en-US" sz="1400" spc="-30" dirty="0" smtClean="0">
+                <a:solidFill>
+                  <a:srgbClr val="3333B2"/>
+                </a:solidFill>
+                <a:latin typeface="Lucida Sans Unicode"/>
+                <a:cs typeface="Lucida Sans Unicode"/>
+              </a:rPr>
+              <a:t>r than sigmoid</a:t>
+            </a:r>
+            <a:endParaRPr lang="en-US" sz="1400" spc="-30" dirty="0" smtClean="0">
+              <a:solidFill>
+                <a:srgbClr val="3333B2"/>
+              </a:solidFill>
+              <a:latin typeface="Lucida Sans Unicode"/>
+              <a:cs typeface="Lucida Sans Unicode"/>
+            </a:endParaRPr>
+          </a:p>
+          <a:p>
+            <a:pPr marL="273685" indent="-171450" algn="just">
+              <a:lnSpc>
+                <a:spcPct val="100000"/>
+              </a:lnSpc>
+              <a:spcBef>
+                <a:spcPts val="90"/>
+              </a:spcBef>
+              <a:buFont typeface="Wingdings" panose="05000000000000000000" pitchFamily="2" charset="2"/>
+              <a:buChar char="Ø"/>
+            </a:pPr>
+            <a:r>
+              <a:rPr lang="en-US" sz="1400" spc="-30" dirty="0" smtClean="0">
+                <a:solidFill>
+                  <a:srgbClr val="3333B2"/>
+                </a:solidFill>
+                <a:latin typeface="Lucida Sans Unicode"/>
+                <a:cs typeface="Lucida Sans Unicode"/>
+                <a:sym typeface="Wingdings" panose="05000000000000000000" pitchFamily="2" charset="2"/>
+              </a:rPr>
+              <a:t>Same Vanishing Gradient Problem0</a:t>
+            </a:r>
+          </a:p>
+          <a:p>
+            <a:pPr marL="273685" indent="-171450" algn="just">
+              <a:lnSpc>
+                <a:spcPct val="100000"/>
+              </a:lnSpc>
+              <a:spcBef>
+                <a:spcPts val="90"/>
+              </a:spcBef>
+              <a:buFont typeface="Wingdings" panose="05000000000000000000" pitchFamily="2" charset="2"/>
+              <a:buChar char="Ø"/>
+            </a:pPr>
+            <a:endParaRPr lang="en-US" sz="1400" spc="-30" dirty="0" smtClean="0">
+              <a:solidFill>
+                <a:srgbClr val="3333B2"/>
+              </a:solidFill>
+              <a:latin typeface="Lucida Sans Unicode"/>
+              <a:cs typeface="Lucida Sans Unicode"/>
+              <a:sym typeface="Wingdings" panose="05000000000000000000" pitchFamily="2" charset="2"/>
+            </a:endParaRPr>
+          </a:p>
+          <a:p>
+            <a:pPr marL="273685" indent="-171450" algn="just">
+              <a:lnSpc>
+                <a:spcPct val="100000"/>
+              </a:lnSpc>
+              <a:spcBef>
+                <a:spcPts val="90"/>
+              </a:spcBef>
+              <a:buFont typeface="Wingdings" panose="05000000000000000000" pitchFamily="2" charset="2"/>
+              <a:buChar char="Ø"/>
+            </a:pPr>
+            <a:r>
+              <a:rPr lang="en-US" sz="1400" b="1" spc="-30" dirty="0" smtClean="0">
+                <a:solidFill>
+                  <a:srgbClr val="3333B2"/>
+                </a:solidFill>
+                <a:latin typeface="Lucida Sans Unicode"/>
+                <a:cs typeface="Lucida Sans Unicode"/>
+                <a:sym typeface="Wingdings" panose="05000000000000000000" pitchFamily="2" charset="2"/>
+              </a:rPr>
+              <a:t>Derivative: </a:t>
+            </a:r>
+          </a:p>
+          <a:p>
+            <a:pPr marL="102235" algn="just">
+              <a:lnSpc>
+                <a:spcPct val="100000"/>
+              </a:lnSpc>
+              <a:spcBef>
+                <a:spcPts val="90"/>
+              </a:spcBef>
+            </a:pPr>
+            <a:endParaRPr lang="en-US" sz="1200" spc="-30" dirty="0" smtClean="0">
+              <a:solidFill>
+                <a:srgbClr val="3333B2"/>
+              </a:solidFill>
+              <a:latin typeface="Lucida Sans Unicode"/>
+              <a:cs typeface="Lucida Sans Unicode"/>
+              <a:sym typeface="Wingdings" panose="05000000000000000000" pitchFamily="2" charset="2"/>
+            </a:endParaRPr>
+          </a:p>
+          <a:p>
+            <a:pPr marL="102235" algn="just">
+              <a:lnSpc>
+                <a:spcPct val="100000"/>
+              </a:lnSpc>
+              <a:spcBef>
+                <a:spcPts val="90"/>
+              </a:spcBef>
+            </a:pPr>
+            <a:endParaRPr lang="en-US" sz="1200" spc="-30" dirty="0" smtClean="0">
+              <a:solidFill>
+                <a:srgbClr val="3333B2"/>
+              </a:solidFill>
+              <a:latin typeface="Lucida Sans Unicode"/>
+              <a:cs typeface="Lucida Sans Unicode"/>
+              <a:sym typeface="Wingdings" panose="05000000000000000000" pitchFamily="2" charset="2"/>
+            </a:endParaRPr>
           </a:p>
         </p:txBody>
       </p:sp>
       <p:pic>
         <p:nvPicPr>
-          <p:cNvPr id="4" name="Picture 3"/>
+          <p:cNvPr id="6" name="Picture 5"/>
           <p:cNvPicPr>
             <a:picLocks noChangeAspect="1"/>
           </p:cNvPicPr>
@@ -5114,8 +6280,8 @@
         </p:blipFill>
         <p:spPr>
           <a:xfrm>
-            <a:off x="1390650" y="641408"/>
-            <a:ext cx="3048000" cy="2209120"/>
+            <a:off x="3219450" y="373989"/>
+            <a:ext cx="1357312" cy="975385"/>
           </a:xfrm>
           <a:prstGeom prst="rect">
             <a:avLst/>
@@ -5124,7 +6290,7 @@
       </p:pic>
       <p:pic>
         <p:nvPicPr>
-          <p:cNvPr id="5" name="Picture 4"/>
+          <p:cNvPr id="7" name="Picture 6"/>
           <p:cNvPicPr>
             <a:picLocks noChangeAspect="1"/>
           </p:cNvPicPr>
@@ -5138,8 +6304,8 @@
         </p:blipFill>
         <p:spPr>
           <a:xfrm>
-            <a:off x="19050" y="421484"/>
-            <a:ext cx="1524001" cy="219923"/>
+            <a:off x="2000250" y="339200"/>
+            <a:ext cx="1252537" cy="552975"/>
           </a:xfrm>
           <a:prstGeom prst="rect">
             <a:avLst/>
@@ -5148,7 +6314,7 @@
       </p:pic>
       <p:pic>
         <p:nvPicPr>
-          <p:cNvPr id="9" name="Picture 8"/>
+          <p:cNvPr id="8" name="Picture 7"/>
           <p:cNvPicPr>
             <a:picLocks noChangeAspect="1"/>
           </p:cNvPicPr>
@@ -5162,8 +6328,8 @@
         </p:blipFill>
         <p:spPr>
           <a:xfrm>
-            <a:off x="19050" y="2710886"/>
-            <a:ext cx="2043112" cy="757237"/>
+            <a:off x="2442119" y="2339975"/>
+            <a:ext cx="2167981" cy="627590"/>
           </a:xfrm>
           <a:prstGeom prst="rect">
             <a:avLst/>
@@ -5173,7 +6339,7 @@
     </p:spTree>
     <p:extLst>
       <p:ext uri="{BB962C8B-B14F-4D97-AF65-F5344CB8AC3E}">
-        <p14:creationId xmlns:p14="http://schemas.microsoft.com/office/powerpoint/2010/main" val="3885261790"/>
+        <p14:creationId xmlns:p14="http://schemas.microsoft.com/office/powerpoint/2010/main" val="1722757480"/>
       </p:ext>
     </p:extLst>
   </p:cSld>
@@ -5255,221 +6421,6 @@
           </a:p>
         </p:txBody>
       </p:sp>
-      <p:sp>
-        <p:nvSpPr>
-          <p:cNvPr id="3" name="object 3"/>
-          <p:cNvSpPr txBox="1">
-            <a:spLocks noGrp="1"/>
-          </p:cNvSpPr>
-          <p:nvPr>
-            <p:ph type="body" idx="1"/>
-          </p:nvPr>
-        </p:nvSpPr>
-        <p:spPr>
-          <a:xfrm>
-            <a:off x="171450" y="1122896"/>
-            <a:ext cx="4343400" cy="1978747"/>
-          </a:xfrm>
-          <a:prstGeom prst="rect">
-            <a:avLst/>
-          </a:prstGeom>
-        </p:spPr>
-        <p:txBody>
-          <a:bodyPr vert="horz" wrap="square" lIns="0" tIns="11430" rIns="0" bIns="0" rtlCol="0">
-            <a:spAutoFit/>
-          </a:bodyPr>
-          <a:lstStyle/>
-          <a:p>
-            <a:pPr marL="102235" algn="just">
-              <a:lnSpc>
-                <a:spcPct val="100000"/>
-              </a:lnSpc>
-              <a:spcBef>
-                <a:spcPts val="90"/>
-              </a:spcBef>
-            </a:pPr>
-            <a:endParaRPr lang="en-US" sz="1400" spc="-30" dirty="0" smtClean="0">
-              <a:solidFill>
-                <a:srgbClr val="3333B2"/>
-              </a:solidFill>
-              <a:latin typeface="Lucida Sans Unicode"/>
-              <a:cs typeface="Lucida Sans Unicode"/>
-            </a:endParaRPr>
-          </a:p>
-          <a:p>
-            <a:pPr marL="273685" indent="-171450" algn="just">
-              <a:lnSpc>
-                <a:spcPct val="100000"/>
-              </a:lnSpc>
-              <a:spcBef>
-                <a:spcPts val="90"/>
-              </a:spcBef>
-              <a:buFont typeface="Wingdings" panose="05000000000000000000" pitchFamily="2" charset="2"/>
-              <a:buChar char="Ø"/>
-            </a:pPr>
-            <a:r>
-              <a:rPr lang="en-US" sz="1400" spc="-30" dirty="0" smtClean="0">
-                <a:solidFill>
-                  <a:srgbClr val="3333B2"/>
-                </a:solidFill>
-                <a:latin typeface="Lucida Sans Unicode"/>
-                <a:cs typeface="Lucida Sans Unicode"/>
-              </a:rPr>
-              <a:t>Range(0, infinity)</a:t>
-            </a:r>
-          </a:p>
-          <a:p>
-            <a:pPr marL="273685" indent="-171450" algn="just">
-              <a:lnSpc>
-                <a:spcPct val="100000"/>
-              </a:lnSpc>
-              <a:spcBef>
-                <a:spcPts val="90"/>
-              </a:spcBef>
-              <a:buFont typeface="Wingdings" panose="05000000000000000000" pitchFamily="2" charset="2"/>
-              <a:buChar char="Ø"/>
-            </a:pPr>
-            <a:r>
-              <a:rPr lang="en-US" sz="1400" spc="-30" dirty="0" smtClean="0">
-                <a:solidFill>
-                  <a:srgbClr val="3333B2"/>
-                </a:solidFill>
-                <a:latin typeface="Lucida Sans Unicode"/>
-                <a:cs typeface="Lucida Sans Unicode"/>
-                <a:sym typeface="Wingdings" panose="05000000000000000000" pitchFamily="2" charset="2"/>
-              </a:rPr>
-              <a:t>solve Vanishing Gradient Problem for higher value of Z.</a:t>
-            </a:r>
-          </a:p>
-          <a:p>
-            <a:pPr marL="273685" indent="-171450" algn="just">
-              <a:lnSpc>
-                <a:spcPct val="100000"/>
-              </a:lnSpc>
-              <a:spcBef>
-                <a:spcPts val="90"/>
-              </a:spcBef>
-              <a:buFont typeface="Wingdings" panose="05000000000000000000" pitchFamily="2" charset="2"/>
-              <a:buChar char="Ø"/>
-            </a:pPr>
-            <a:r>
-              <a:rPr lang="en-US" sz="1400" spc="-30" dirty="0" err="1" smtClean="0">
-                <a:solidFill>
-                  <a:srgbClr val="3333B2"/>
-                </a:solidFill>
-                <a:latin typeface="Lucida Sans Unicode"/>
-                <a:cs typeface="Lucida Sans Unicode"/>
-                <a:sym typeface="Wingdings" panose="05000000000000000000" pitchFamily="2" charset="2"/>
-              </a:rPr>
-              <a:t>Grandient</a:t>
-            </a:r>
-            <a:r>
-              <a:rPr lang="en-US" sz="1400" spc="-30" dirty="0" smtClean="0">
-                <a:solidFill>
-                  <a:srgbClr val="3333B2"/>
-                </a:solidFill>
-                <a:latin typeface="Lucida Sans Unicode"/>
-                <a:cs typeface="Lucida Sans Unicode"/>
-                <a:sym typeface="Wingdings" panose="05000000000000000000" pitchFamily="2" charset="2"/>
-              </a:rPr>
-              <a:t> undefined for z=0 and z when z&lt;0</a:t>
-            </a:r>
-          </a:p>
-          <a:p>
-            <a:pPr marL="273685" indent="-171450" algn="just">
-              <a:lnSpc>
-                <a:spcPct val="100000"/>
-              </a:lnSpc>
-              <a:spcBef>
-                <a:spcPts val="90"/>
-              </a:spcBef>
-              <a:buFont typeface="Wingdings" panose="05000000000000000000" pitchFamily="2" charset="2"/>
-              <a:buChar char="Ø"/>
-            </a:pPr>
-            <a:r>
-              <a:rPr lang="en-US" sz="1400" spc="-30" dirty="0" err="1" smtClean="0">
-                <a:solidFill>
-                  <a:srgbClr val="3333B2"/>
-                </a:solidFill>
-                <a:latin typeface="Lucida Sans Unicode"/>
-                <a:cs typeface="Lucida Sans Unicode"/>
-                <a:sym typeface="Wingdings" panose="05000000000000000000" pitchFamily="2" charset="2"/>
-              </a:rPr>
-              <a:t>Relue</a:t>
-            </a:r>
-            <a:r>
-              <a:rPr lang="en-US" sz="1400" spc="-30" dirty="0" smtClean="0">
-                <a:solidFill>
-                  <a:srgbClr val="3333B2"/>
-                </a:solidFill>
-                <a:latin typeface="Lucida Sans Unicode"/>
-                <a:cs typeface="Lucida Sans Unicode"/>
-                <a:sym typeface="Wingdings" panose="05000000000000000000" pitchFamily="2" charset="2"/>
-              </a:rPr>
-              <a:t> dies when having value negative</a:t>
-            </a:r>
-          </a:p>
-          <a:p>
-            <a:pPr marL="273685" indent="-171450" algn="just">
-              <a:lnSpc>
-                <a:spcPct val="100000"/>
-              </a:lnSpc>
-              <a:spcBef>
-                <a:spcPts val="90"/>
-              </a:spcBef>
-              <a:buFont typeface="Wingdings" panose="05000000000000000000" pitchFamily="2" charset="2"/>
-              <a:buChar char="Ø"/>
-            </a:pPr>
-            <a:r>
-              <a:rPr lang="en-US" sz="1400" b="1" spc="-30" dirty="0" smtClean="0">
-                <a:solidFill>
-                  <a:srgbClr val="3333B2"/>
-                </a:solidFill>
-                <a:latin typeface="Lucida Sans Unicode"/>
-                <a:cs typeface="Lucida Sans Unicode"/>
-                <a:sym typeface="Wingdings" panose="05000000000000000000" pitchFamily="2" charset="2"/>
-              </a:rPr>
-              <a:t>Derivative: </a:t>
-            </a:r>
-          </a:p>
-          <a:p>
-            <a:pPr marL="102235" algn="just">
-              <a:lnSpc>
-                <a:spcPct val="100000"/>
-              </a:lnSpc>
-              <a:spcBef>
-                <a:spcPts val="90"/>
-              </a:spcBef>
-            </a:pPr>
-            <a:endParaRPr lang="en-US" sz="1200" spc="-30" dirty="0" smtClean="0">
-              <a:solidFill>
-                <a:srgbClr val="3333B2"/>
-              </a:solidFill>
-              <a:latin typeface="Lucida Sans Unicode"/>
-              <a:cs typeface="Lucida Sans Unicode"/>
-              <a:sym typeface="Wingdings" panose="05000000000000000000" pitchFamily="2" charset="2"/>
-            </a:endParaRPr>
-          </a:p>
-          <a:p>
-            <a:pPr marL="102235" algn="just">
-              <a:lnSpc>
-                <a:spcPct val="100000"/>
-              </a:lnSpc>
-              <a:spcBef>
-                <a:spcPts val="90"/>
-              </a:spcBef>
-            </a:pPr>
-            <a:endParaRPr lang="en-US" sz="1200" spc="-30" dirty="0" smtClean="0">
-              <a:solidFill>
-                <a:srgbClr val="3333B2"/>
-              </a:solidFill>
-              <a:latin typeface="Lucida Sans Unicode"/>
-              <a:cs typeface="Lucida Sans Unicode"/>
-              <a:sym typeface="Wingdings" panose="05000000000000000000" pitchFamily="2" charset="2"/>
-            </a:endParaRPr>
-          </a:p>
-        </p:txBody>
-      </p:sp>
       <p:pic>
         <p:nvPicPr>
           <p:cNvPr id="4" name="Picture 3"/>
@@ -5486,8 +6437,8 @@
         </p:blipFill>
         <p:spPr>
           <a:xfrm>
-            <a:off x="2990851" y="392699"/>
-            <a:ext cx="1524000" cy="1109076"/>
+            <a:off x="-27552" y="585258"/>
+            <a:ext cx="3048000" cy="2125628"/>
           </a:xfrm>
           <a:prstGeom prst="rect">
             <a:avLst/>
@@ -5510,7 +6461,7 @@
         </p:blipFill>
         <p:spPr>
           <a:xfrm>
-            <a:off x="1466850" y="443652"/>
+            <a:off x="19050" y="421484"/>
             <a:ext cx="1524001" cy="219923"/>
           </a:xfrm>
           <a:prstGeom prst="rect">
@@ -5534,8 +6485,32 @@
         </p:blipFill>
         <p:spPr>
           <a:xfrm>
-            <a:off x="947739" y="2416175"/>
+            <a:off x="19050" y="2710886"/>
             <a:ext cx="2043112" cy="757237"/>
+          </a:xfrm>
+          <a:prstGeom prst="rect">
+            <a:avLst/>
+          </a:prstGeom>
+        </p:spPr>
+      </p:pic>
+      <p:pic>
+        <p:nvPicPr>
+          <p:cNvPr id="3" name="Picture 2"/>
+          <p:cNvPicPr>
+            <a:picLocks noChangeAspect="1"/>
+          </p:cNvPicPr>
+          <p:nvPr/>
+        </p:nvPicPr>
+        <p:blipFill>
+          <a:blip r:embed="rId5"/>
+          <a:stretch>
+            <a:fillRect/>
+          </a:stretch>
+        </p:blipFill>
+        <p:spPr>
+          <a:xfrm>
+            <a:off x="3020448" y="968375"/>
+            <a:ext cx="1418202" cy="1427409"/>
           </a:xfrm>
           <a:prstGeom prst="rect">
             <a:avLst/>
@@ -5545,7 +6520,7 @@
     </p:spTree>
     <p:extLst>
       <p:ext uri="{BB962C8B-B14F-4D97-AF65-F5344CB8AC3E}">
-        <p14:creationId xmlns:p14="http://schemas.microsoft.com/office/powerpoint/2010/main" val="728829623"/>
+        <p14:creationId xmlns:p14="http://schemas.microsoft.com/office/powerpoint/2010/main" val="3885261790"/>
       </p:ext>
     </p:extLst>
   </p:cSld>
@@ -5617,11 +6592,7 @@
             </a:pPr>
             <a:r>
               <a:rPr lang="en-US" sz="1800" dirty="0" smtClean="0"/>
-              <a:t>Leaky </a:t>
-            </a:r>
-            <a:r>
-              <a:rPr lang="en-US" sz="1800" dirty="0"/>
-              <a:t> </a:t>
+              <a:t>Rectified Linear Unit(</a:t>
             </a:r>
             <a:r>
               <a:rPr lang="en-US" sz="1800" dirty="0" err="1" smtClean="0"/>
@@ -5633,70 +6604,274 @@
       </p:sp>
       <p:sp>
         <p:nvSpPr>
-          <p:cNvPr id="6" name="AutoShape 2" descr="Image result for leaky relu image"/>
-          <p:cNvSpPr>
-            <a:spLocks noChangeAspect="1" noChangeArrowheads="1"/>
-          </p:cNvSpPr>
-          <p:nvPr/>
-        </p:nvSpPr>
-        <p:spPr bwMode="auto">
-          <a:xfrm>
-            <a:off x="155575" y="-144463"/>
-            <a:ext cx="304800" cy="304801"/>
-          </a:xfrm>
-          <a:prstGeom prst="rect">
-            <a:avLst/>
-          </a:prstGeom>
-          <a:noFill/>
-          <a:extLst>
-            <a:ext uri="{909E8E84-426E-40DD-AFC4-6F175D3DCCD1}">
-              <a14:hiddenFill xmlns:a14="http://schemas.microsoft.com/office/drawing/2010/main">
-                <a:solidFill>
-                  <a:srgbClr val="FFFFFF"/>
-                </a:solidFill>
-              </a14:hiddenFill>
-            </a:ext>
-          </a:extLst>
-        </p:spPr>
-        <p:txBody>
-          <a:bodyPr vert="horz" wrap="square" lIns="91440" tIns="45720" rIns="91440" bIns="45720" numCol="1" anchor="t" anchorCtr="0" compatLnSpc="1">
-            <a:prstTxWarp prst="textNoShape">
-              <a:avLst/>
-            </a:prstTxWarp>
+          <p:cNvPr id="3" name="object 3"/>
+          <p:cNvSpPr txBox="1">
+            <a:spLocks noGrp="1"/>
+          </p:cNvSpPr>
+          <p:nvPr>
+            <p:ph type="body" idx="1"/>
+          </p:nvPr>
+        </p:nvSpPr>
+        <p:spPr>
+          <a:xfrm>
+            <a:off x="171450" y="1122896"/>
+            <a:ext cx="4343400" cy="2207014"/>
+          </a:xfrm>
+          <a:prstGeom prst="rect">
+            <a:avLst/>
+          </a:prstGeom>
+        </p:spPr>
+        <p:txBody>
+          <a:bodyPr vert="horz" wrap="square" lIns="0" tIns="11430" rIns="0" bIns="0" rtlCol="0">
+            <a:spAutoFit/>
           </a:bodyPr>
           <a:lstStyle/>
           <a:p>
-            <a:endParaRPr lang="en-US"/>
+            <a:pPr marL="102235" algn="just">
+              <a:lnSpc>
+                <a:spcPct val="100000"/>
+              </a:lnSpc>
+              <a:spcBef>
+                <a:spcPts val="90"/>
+              </a:spcBef>
+            </a:pPr>
+            <a:endParaRPr lang="en-US" sz="1400" spc="-30" dirty="0" smtClean="0">
+              <a:solidFill>
+                <a:srgbClr val="3333B2"/>
+              </a:solidFill>
+              <a:latin typeface="Lucida Sans Unicode"/>
+              <a:cs typeface="Lucida Sans Unicode"/>
+            </a:endParaRPr>
+          </a:p>
+          <a:p>
+            <a:pPr marL="273685" indent="-171450" algn="just">
+              <a:lnSpc>
+                <a:spcPct val="100000"/>
+              </a:lnSpc>
+              <a:spcBef>
+                <a:spcPts val="90"/>
+              </a:spcBef>
+              <a:buFont typeface="Wingdings" panose="05000000000000000000" pitchFamily="2" charset="2"/>
+              <a:buChar char="Ø"/>
+            </a:pPr>
+            <a:r>
+              <a:rPr lang="en-US" sz="1400" spc="-30" dirty="0" smtClean="0">
+                <a:solidFill>
+                  <a:srgbClr val="3333B2"/>
+                </a:solidFill>
+                <a:latin typeface="Lucida Sans Unicode"/>
+                <a:cs typeface="Lucida Sans Unicode"/>
+              </a:rPr>
+              <a:t>Range(0 , </a:t>
+            </a:r>
+            <a:r>
+              <a:rPr lang="en-US" sz="1400" spc="-30" dirty="0" smtClean="0">
+                <a:solidFill>
+                  <a:srgbClr val="3333B2"/>
+                </a:solidFill>
+                <a:latin typeface="Lucida Sans Unicode"/>
+                <a:cs typeface="Lucida Sans Unicode"/>
+              </a:rPr>
+              <a:t>infinity)</a:t>
+            </a:r>
+          </a:p>
+          <a:p>
+            <a:pPr marL="273685" indent="-171450" algn="just">
+              <a:lnSpc>
+                <a:spcPct val="100000"/>
+              </a:lnSpc>
+              <a:spcBef>
+                <a:spcPts val="90"/>
+              </a:spcBef>
+              <a:buFont typeface="Wingdings" panose="05000000000000000000" pitchFamily="2" charset="2"/>
+              <a:buChar char="Ø"/>
+            </a:pPr>
+            <a:r>
+              <a:rPr lang="en-US" sz="1400" spc="-30" dirty="0" smtClean="0">
+                <a:solidFill>
+                  <a:srgbClr val="3333B2"/>
+                </a:solidFill>
+                <a:latin typeface="Lucida Sans Unicode"/>
+                <a:cs typeface="Lucida Sans Unicode"/>
+                <a:sym typeface="Wingdings" panose="05000000000000000000" pitchFamily="2" charset="2"/>
+              </a:rPr>
+              <a:t>solve Vanishing Gradient Problem for higher value of Z</a:t>
+            </a:r>
+            <a:r>
+              <a:rPr lang="en-US" sz="1400" spc="-30" dirty="0" smtClean="0">
+                <a:solidFill>
+                  <a:srgbClr val="3333B2"/>
+                </a:solidFill>
+                <a:latin typeface="Lucida Sans Unicode"/>
+                <a:cs typeface="Lucida Sans Unicode"/>
+                <a:sym typeface="Wingdings" panose="05000000000000000000" pitchFamily="2" charset="2"/>
+              </a:rPr>
+              <a:t>.</a:t>
+            </a:r>
+          </a:p>
+          <a:p>
+            <a:pPr marL="273685" indent="-171450" algn="just">
+              <a:lnSpc>
+                <a:spcPct val="100000"/>
+              </a:lnSpc>
+              <a:spcBef>
+                <a:spcPts val="90"/>
+              </a:spcBef>
+              <a:buFont typeface="Wingdings" panose="05000000000000000000" pitchFamily="2" charset="2"/>
+              <a:buChar char="Ø"/>
+            </a:pPr>
+            <a:r>
+              <a:rPr lang="en-US" sz="1400" spc="-30" dirty="0" smtClean="0">
+                <a:solidFill>
+                  <a:srgbClr val="3333B2"/>
+                </a:solidFill>
+                <a:latin typeface="Lucida Sans Unicode"/>
+                <a:cs typeface="Lucida Sans Unicode"/>
+                <a:sym typeface="Wingdings" panose="05000000000000000000" pitchFamily="2" charset="2"/>
+              </a:rPr>
+              <a:t>For negative value it derivative become zero.</a:t>
+            </a:r>
+            <a:endParaRPr lang="en-US" sz="1400" spc="-30" dirty="0" smtClean="0">
+              <a:solidFill>
+                <a:srgbClr val="3333B2"/>
+              </a:solidFill>
+              <a:latin typeface="Lucida Sans Unicode"/>
+              <a:cs typeface="Lucida Sans Unicode"/>
+              <a:sym typeface="Wingdings" panose="05000000000000000000" pitchFamily="2" charset="2"/>
+            </a:endParaRPr>
+          </a:p>
+          <a:p>
+            <a:pPr marL="273685" indent="-171450" algn="just">
+              <a:lnSpc>
+                <a:spcPct val="100000"/>
+              </a:lnSpc>
+              <a:spcBef>
+                <a:spcPts val="90"/>
+              </a:spcBef>
+              <a:buFont typeface="Wingdings" panose="05000000000000000000" pitchFamily="2" charset="2"/>
+              <a:buChar char="Ø"/>
+            </a:pPr>
+            <a:r>
+              <a:rPr lang="en-US" sz="1400" spc="-30" dirty="0" err="1" smtClean="0">
+                <a:solidFill>
+                  <a:srgbClr val="3333B2"/>
+                </a:solidFill>
+                <a:latin typeface="Lucida Sans Unicode"/>
+                <a:cs typeface="Lucida Sans Unicode"/>
+                <a:sym typeface="Wingdings" panose="05000000000000000000" pitchFamily="2" charset="2"/>
+              </a:rPr>
+              <a:t>Grandient</a:t>
+            </a:r>
+            <a:r>
+              <a:rPr lang="en-US" sz="1400" spc="-30" dirty="0" smtClean="0">
+                <a:solidFill>
+                  <a:srgbClr val="3333B2"/>
+                </a:solidFill>
+                <a:latin typeface="Lucida Sans Unicode"/>
+                <a:cs typeface="Lucida Sans Unicode"/>
+                <a:sym typeface="Wingdings" panose="05000000000000000000" pitchFamily="2" charset="2"/>
+              </a:rPr>
+              <a:t> undefined for z=0 and z when z&lt;0</a:t>
+            </a:r>
+          </a:p>
+          <a:p>
+            <a:pPr marL="273685" indent="-171450" algn="just">
+              <a:lnSpc>
+                <a:spcPct val="100000"/>
+              </a:lnSpc>
+              <a:spcBef>
+                <a:spcPts val="90"/>
+              </a:spcBef>
+              <a:buFont typeface="Wingdings" panose="05000000000000000000" pitchFamily="2" charset="2"/>
+              <a:buChar char="Ø"/>
+            </a:pPr>
+            <a:r>
+              <a:rPr lang="en-US" sz="1400" spc="-30" dirty="0" err="1" smtClean="0">
+                <a:solidFill>
+                  <a:srgbClr val="3333B2"/>
+                </a:solidFill>
+                <a:latin typeface="Lucida Sans Unicode"/>
+                <a:cs typeface="Lucida Sans Unicode"/>
+                <a:sym typeface="Wingdings" panose="05000000000000000000" pitchFamily="2" charset="2"/>
+              </a:rPr>
+              <a:t>Relue</a:t>
+            </a:r>
+            <a:r>
+              <a:rPr lang="en-US" sz="1400" spc="-30" dirty="0" smtClean="0">
+                <a:solidFill>
+                  <a:srgbClr val="3333B2"/>
+                </a:solidFill>
+                <a:latin typeface="Lucida Sans Unicode"/>
+                <a:cs typeface="Lucida Sans Unicode"/>
+                <a:sym typeface="Wingdings" panose="05000000000000000000" pitchFamily="2" charset="2"/>
+              </a:rPr>
+              <a:t> dies when having value negative</a:t>
+            </a:r>
+          </a:p>
+          <a:p>
+            <a:pPr marL="273685" indent="-171450" algn="just">
+              <a:lnSpc>
+                <a:spcPct val="100000"/>
+              </a:lnSpc>
+              <a:spcBef>
+                <a:spcPts val="90"/>
+              </a:spcBef>
+              <a:buFont typeface="Wingdings" panose="05000000000000000000" pitchFamily="2" charset="2"/>
+              <a:buChar char="Ø"/>
+            </a:pPr>
+            <a:r>
+              <a:rPr lang="en-US" sz="1400" b="1" spc="-30" dirty="0" smtClean="0">
+                <a:solidFill>
+                  <a:srgbClr val="3333B2"/>
+                </a:solidFill>
+                <a:latin typeface="Lucida Sans Unicode"/>
+                <a:cs typeface="Lucida Sans Unicode"/>
+                <a:sym typeface="Wingdings" panose="05000000000000000000" pitchFamily="2" charset="2"/>
+              </a:rPr>
+              <a:t>Derivative: </a:t>
+            </a:r>
+          </a:p>
+          <a:p>
+            <a:pPr marL="102235" algn="just">
+              <a:lnSpc>
+                <a:spcPct val="100000"/>
+              </a:lnSpc>
+              <a:spcBef>
+                <a:spcPts val="90"/>
+              </a:spcBef>
+            </a:pPr>
+            <a:endParaRPr lang="en-US" sz="1200" spc="-30" dirty="0" smtClean="0">
+              <a:solidFill>
+                <a:srgbClr val="3333B2"/>
+              </a:solidFill>
+              <a:latin typeface="Lucida Sans Unicode"/>
+              <a:cs typeface="Lucida Sans Unicode"/>
+              <a:sym typeface="Wingdings" panose="05000000000000000000" pitchFamily="2" charset="2"/>
+            </a:endParaRPr>
+          </a:p>
+          <a:p>
+            <a:pPr marL="102235" algn="just">
+              <a:lnSpc>
+                <a:spcPct val="100000"/>
+              </a:lnSpc>
+              <a:spcBef>
+                <a:spcPts val="90"/>
+              </a:spcBef>
+            </a:pPr>
+            <a:endParaRPr lang="en-US" sz="1200" spc="-30" dirty="0" smtClean="0">
+              <a:solidFill>
+                <a:srgbClr val="3333B2"/>
+              </a:solidFill>
+              <a:latin typeface="Lucida Sans Unicode"/>
+              <a:cs typeface="Lucida Sans Unicode"/>
+              <a:sym typeface="Wingdings" panose="05000000000000000000" pitchFamily="2" charset="2"/>
+            </a:endParaRPr>
           </a:p>
         </p:txBody>
       </p:sp>
       <p:pic>
         <p:nvPicPr>
-          <p:cNvPr id="10" name="Picture 9"/>
-          <p:cNvPicPr>
-            <a:picLocks noChangeAspect="1"/>
-          </p:cNvPicPr>
-          <p:nvPr/>
-        </p:nvPicPr>
-        <p:blipFill>
-          <a:blip r:embed="rId2"/>
-          <a:stretch>
-            <a:fillRect/>
-          </a:stretch>
-        </p:blipFill>
-        <p:spPr>
-          <a:xfrm>
-            <a:off x="1771650" y="843747"/>
-            <a:ext cx="2738589" cy="1709880"/>
-          </a:xfrm>
-          <a:prstGeom prst="rect">
-            <a:avLst/>
-          </a:prstGeom>
-        </p:spPr>
-      </p:pic>
-      <p:pic>
-        <p:nvPicPr>
-          <p:cNvPr id="11" name="Picture 10"/>
+          <p:cNvPr id="4" name="Picture 3"/>
           <p:cNvPicPr>
             <a:picLocks noChangeAspect="1"/>
           </p:cNvPicPr>
@@ -5710,8 +6885,8 @@
         </p:blipFill>
         <p:spPr>
           <a:xfrm>
-            <a:off x="155575" y="459265"/>
-            <a:ext cx="1528862" cy="277975"/>
+            <a:off x="2990851" y="392699"/>
+            <a:ext cx="1524000" cy="1109076"/>
           </a:xfrm>
           <a:prstGeom prst="rect">
             <a:avLst/>
@@ -5720,7 +6895,7 @@
       </p:pic>
       <p:pic>
         <p:nvPicPr>
-          <p:cNvPr id="12" name="Picture 11"/>
+          <p:cNvPr id="5" name="Picture 4"/>
           <p:cNvPicPr>
             <a:picLocks noChangeAspect="1"/>
           </p:cNvPicPr>
@@ -5734,8 +6909,32 @@
         </p:blipFill>
         <p:spPr>
           <a:xfrm>
-            <a:off x="95250" y="2339975"/>
-            <a:ext cx="2000250" cy="752388"/>
+            <a:off x="1466850" y="443652"/>
+            <a:ext cx="1524001" cy="219923"/>
+          </a:xfrm>
+          <a:prstGeom prst="rect">
+            <a:avLst/>
+          </a:prstGeom>
+        </p:spPr>
+      </p:pic>
+      <p:pic>
+        <p:nvPicPr>
+          <p:cNvPr id="9" name="Picture 8"/>
+          <p:cNvPicPr>
+            <a:picLocks noChangeAspect="1"/>
+          </p:cNvPicPr>
+          <p:nvPr/>
+        </p:nvPicPr>
+        <p:blipFill>
+          <a:blip r:embed="rId5"/>
+          <a:stretch>
+            <a:fillRect/>
+          </a:stretch>
+        </p:blipFill>
+        <p:spPr>
+          <a:xfrm>
+            <a:off x="2076450" y="2735447"/>
+            <a:ext cx="2043112" cy="757237"/>
           </a:xfrm>
           <a:prstGeom prst="rect">
             <a:avLst/>
@@ -5745,7 +6944,7 @@
     </p:spTree>
     <p:extLst>
       <p:ext uri="{BB962C8B-B14F-4D97-AF65-F5344CB8AC3E}">
-        <p14:creationId xmlns:p14="http://schemas.microsoft.com/office/powerpoint/2010/main" val="1221576912"/>
+        <p14:creationId xmlns:p14="http://schemas.microsoft.com/office/powerpoint/2010/main" val="728829623"/>
       </p:ext>
     </p:extLst>
   </p:cSld>
